--- a/user guide .pptx
+++ b/user guide .pptx
@@ -7,28 +7,37 @@
   <p:sldIdLst>
     <p:sldId id="256" r:id="rId2"/>
     <p:sldId id="257" r:id="rId3"/>
-    <p:sldId id="258" r:id="rId4"/>
-    <p:sldId id="259" r:id="rId5"/>
-    <p:sldId id="260" r:id="rId6"/>
-    <p:sldId id="261" r:id="rId7"/>
-    <p:sldId id="262" r:id="rId8"/>
-    <p:sldId id="263" r:id="rId9"/>
-    <p:sldId id="264" r:id="rId10"/>
-    <p:sldId id="265" r:id="rId11"/>
-    <p:sldId id="266" r:id="rId12"/>
-    <p:sldId id="267" r:id="rId13"/>
-    <p:sldId id="270" r:id="rId14"/>
-    <p:sldId id="271" r:id="rId15"/>
-    <p:sldId id="269" r:id="rId16"/>
-    <p:sldId id="268" r:id="rId17"/>
-    <p:sldId id="272" r:id="rId18"/>
-    <p:sldId id="279" r:id="rId19"/>
-    <p:sldId id="273" r:id="rId20"/>
-    <p:sldId id="274" r:id="rId21"/>
-    <p:sldId id="275" r:id="rId22"/>
-    <p:sldId id="276" r:id="rId23"/>
-    <p:sldId id="277" r:id="rId24"/>
-    <p:sldId id="278" r:id="rId25"/>
+    <p:sldId id="287" r:id="rId4"/>
+    <p:sldId id="258" r:id="rId5"/>
+    <p:sldId id="259" r:id="rId6"/>
+    <p:sldId id="260" r:id="rId7"/>
+    <p:sldId id="261" r:id="rId8"/>
+    <p:sldId id="262" r:id="rId9"/>
+    <p:sldId id="263" r:id="rId10"/>
+    <p:sldId id="264" r:id="rId11"/>
+    <p:sldId id="265" r:id="rId12"/>
+    <p:sldId id="266" r:id="rId13"/>
+    <p:sldId id="267" r:id="rId14"/>
+    <p:sldId id="270" r:id="rId15"/>
+    <p:sldId id="271" r:id="rId16"/>
+    <p:sldId id="281" r:id="rId17"/>
+    <p:sldId id="282" r:id="rId18"/>
+    <p:sldId id="285" r:id="rId19"/>
+    <p:sldId id="286" r:id="rId20"/>
+    <p:sldId id="288" r:id="rId21"/>
+    <p:sldId id="269" r:id="rId22"/>
+    <p:sldId id="268" r:id="rId23"/>
+    <p:sldId id="272" r:id="rId24"/>
+    <p:sldId id="279" r:id="rId25"/>
+    <p:sldId id="273" r:id="rId26"/>
+    <p:sldId id="274" r:id="rId27"/>
+    <p:sldId id="275" r:id="rId28"/>
+    <p:sldId id="276" r:id="rId29"/>
+    <p:sldId id="277" r:id="rId30"/>
+    <p:sldId id="278" r:id="rId31"/>
+    <p:sldId id="283" r:id="rId32"/>
+    <p:sldId id="284" r:id="rId33"/>
+    <p:sldId id="289" r:id="rId34"/>
   </p:sldIdLst>
   <p:sldSz cx="12192000" cy="6858000"/>
   <p:notesSz cx="6858000" cy="9144000"/>
@@ -127,6 +136,11 @@
       </a:defRPr>
     </a:lvl9pPr>
   </p:defaultTextStyle>
+  <p:extLst>
+    <p:ext uri="{EFAFB233-063F-42B5-8137-9DF3F51BA10A}">
+      <p15:sldGuideLst xmlns:p15="http://schemas.microsoft.com/office/powerpoint/2012/main"/>
+    </p:ext>
+  </p:extLst>
 </p:presentation>
 </file>
 
@@ -172,10 +186,9 @@
           </a:lstStyle>
           <a:p>
             <a:r>
-              <a:rPr lang="en-US" smtClean="0"/>
+              <a:rPr lang="en-US"/>
               <a:t>Click to edit Master title style</a:t>
             </a:r>
-            <a:endParaRPr lang="en-US"/>
           </a:p>
         </p:txBody>
       </p:sp>
@@ -237,10 +250,9 @@
           </a:lstStyle>
           <a:p>
             <a:r>
-              <a:rPr lang="en-US" smtClean="0"/>
+              <a:rPr lang="en-US"/>
               <a:t>Click to edit Master subtitle style</a:t>
             </a:r>
-            <a:endParaRPr lang="en-US"/>
           </a:p>
         </p:txBody>
       </p:sp>
@@ -261,7 +273,7 @@
           <a:p>
             <a:fld id="{05E506CB-CE43-48FE-B8FE-D4AF44765936}" type="datetimeFigureOut">
               <a:rPr lang="en-US" smtClean="0"/>
-              <a:t>4/6/2017</a:t>
+              <a:t>4/10/2017</a:t>
             </a:fld>
             <a:endParaRPr lang="en-US"/>
           </a:p>
@@ -355,10 +367,9 @@
           <a:lstStyle/>
           <a:p>
             <a:r>
-              <a:rPr lang="en-US" smtClean="0"/>
+              <a:rPr lang="en-US"/>
               <a:t>Click to edit Master title style</a:t>
             </a:r>
-            <a:endParaRPr lang="en-US"/>
           </a:p>
         </p:txBody>
       </p:sp>
@@ -379,38 +390,37 @@
           <a:p>
             <a:pPr lvl="0"/>
             <a:r>
-              <a:rPr lang="en-US" smtClean="0"/>
+              <a:rPr lang="en-US"/>
               <a:t>Click to edit Master text styles</a:t>
             </a:r>
           </a:p>
           <a:p>
             <a:pPr lvl="1"/>
             <a:r>
-              <a:rPr lang="en-US" smtClean="0"/>
+              <a:rPr lang="en-US"/>
               <a:t>Second level</a:t>
             </a:r>
           </a:p>
           <a:p>
             <a:pPr lvl="2"/>
             <a:r>
-              <a:rPr lang="en-US" smtClean="0"/>
+              <a:rPr lang="en-US"/>
               <a:t>Third level</a:t>
             </a:r>
           </a:p>
           <a:p>
             <a:pPr lvl="3"/>
             <a:r>
-              <a:rPr lang="en-US" smtClean="0"/>
+              <a:rPr lang="en-US"/>
               <a:t>Fourth level</a:t>
             </a:r>
           </a:p>
           <a:p>
             <a:pPr lvl="4"/>
             <a:r>
-              <a:rPr lang="en-US" smtClean="0"/>
+              <a:rPr lang="en-US"/>
               <a:t>Fifth level</a:t>
             </a:r>
-            <a:endParaRPr lang="en-US"/>
           </a:p>
         </p:txBody>
       </p:sp>
@@ -431,7 +441,7 @@
           <a:p>
             <a:fld id="{05E506CB-CE43-48FE-B8FE-D4AF44765936}" type="datetimeFigureOut">
               <a:rPr lang="en-US" smtClean="0"/>
-              <a:t>4/6/2017</a:t>
+              <a:t>4/10/2017</a:t>
             </a:fld>
             <a:endParaRPr lang="en-US"/>
           </a:p>
@@ -530,10 +540,9 @@
           <a:lstStyle/>
           <a:p>
             <a:r>
-              <a:rPr lang="en-US" smtClean="0"/>
+              <a:rPr lang="en-US"/>
               <a:t>Click to edit Master title style</a:t>
             </a:r>
-            <a:endParaRPr lang="en-US"/>
           </a:p>
         </p:txBody>
       </p:sp>
@@ -559,38 +568,37 @@
           <a:p>
             <a:pPr lvl="0"/>
             <a:r>
-              <a:rPr lang="en-US" smtClean="0"/>
+              <a:rPr lang="en-US"/>
               <a:t>Click to edit Master text styles</a:t>
             </a:r>
           </a:p>
           <a:p>
             <a:pPr lvl="1"/>
             <a:r>
-              <a:rPr lang="en-US" smtClean="0"/>
+              <a:rPr lang="en-US"/>
               <a:t>Second level</a:t>
             </a:r>
           </a:p>
           <a:p>
             <a:pPr lvl="2"/>
             <a:r>
-              <a:rPr lang="en-US" smtClean="0"/>
+              <a:rPr lang="en-US"/>
               <a:t>Third level</a:t>
             </a:r>
           </a:p>
           <a:p>
             <a:pPr lvl="3"/>
             <a:r>
-              <a:rPr lang="en-US" smtClean="0"/>
+              <a:rPr lang="en-US"/>
               <a:t>Fourth level</a:t>
             </a:r>
           </a:p>
           <a:p>
             <a:pPr lvl="4"/>
             <a:r>
-              <a:rPr lang="en-US" smtClean="0"/>
+              <a:rPr lang="en-US"/>
               <a:t>Fifth level</a:t>
             </a:r>
-            <a:endParaRPr lang="en-US"/>
           </a:p>
         </p:txBody>
       </p:sp>
@@ -611,7 +619,7 @@
           <a:p>
             <a:fld id="{05E506CB-CE43-48FE-B8FE-D4AF44765936}" type="datetimeFigureOut">
               <a:rPr lang="en-US" smtClean="0"/>
-              <a:t>4/6/2017</a:t>
+              <a:t>4/10/2017</a:t>
             </a:fld>
             <a:endParaRPr lang="en-US"/>
           </a:p>
@@ -705,10 +713,9 @@
           <a:lstStyle/>
           <a:p>
             <a:r>
-              <a:rPr lang="en-US" smtClean="0"/>
+              <a:rPr lang="en-US"/>
               <a:t>Click to edit Master title style</a:t>
             </a:r>
-            <a:endParaRPr lang="en-US"/>
           </a:p>
         </p:txBody>
       </p:sp>
@@ -729,38 +736,37 @@
           <a:p>
             <a:pPr lvl="0"/>
             <a:r>
-              <a:rPr lang="en-US" smtClean="0"/>
+              <a:rPr lang="en-US"/>
               <a:t>Click to edit Master text styles</a:t>
             </a:r>
           </a:p>
           <a:p>
             <a:pPr lvl="1"/>
             <a:r>
-              <a:rPr lang="en-US" smtClean="0"/>
+              <a:rPr lang="en-US"/>
               <a:t>Second level</a:t>
             </a:r>
           </a:p>
           <a:p>
             <a:pPr lvl="2"/>
             <a:r>
-              <a:rPr lang="en-US" smtClean="0"/>
+              <a:rPr lang="en-US"/>
               <a:t>Third level</a:t>
             </a:r>
           </a:p>
           <a:p>
             <a:pPr lvl="3"/>
             <a:r>
-              <a:rPr lang="en-US" smtClean="0"/>
+              <a:rPr lang="en-US"/>
               <a:t>Fourth level</a:t>
             </a:r>
           </a:p>
           <a:p>
             <a:pPr lvl="4"/>
             <a:r>
-              <a:rPr lang="en-US" smtClean="0"/>
+              <a:rPr lang="en-US"/>
               <a:t>Fifth level</a:t>
             </a:r>
-            <a:endParaRPr lang="en-US"/>
           </a:p>
         </p:txBody>
       </p:sp>
@@ -781,7 +787,7 @@
           <a:p>
             <a:fld id="{05E506CB-CE43-48FE-B8FE-D4AF44765936}" type="datetimeFigureOut">
               <a:rPr lang="en-US" smtClean="0"/>
-              <a:t>4/6/2017</a:t>
+              <a:t>4/10/2017</a:t>
             </a:fld>
             <a:endParaRPr lang="en-US"/>
           </a:p>
@@ -884,10 +890,9 @@
           </a:lstStyle>
           <a:p>
             <a:r>
-              <a:rPr lang="en-US" smtClean="0"/>
+              <a:rPr lang="en-US"/>
               <a:t>Click to edit Master title style</a:t>
             </a:r>
-            <a:endParaRPr lang="en-US"/>
           </a:p>
         </p:txBody>
       </p:sp>
@@ -1004,7 +1009,7 @@
           <a:p>
             <a:pPr lvl="0"/>
             <a:r>
-              <a:rPr lang="en-US" smtClean="0"/>
+              <a:rPr lang="en-US"/>
               <a:t>Click to edit Master text styles</a:t>
             </a:r>
           </a:p>
@@ -1027,7 +1032,7 @@
           <a:p>
             <a:fld id="{05E506CB-CE43-48FE-B8FE-D4AF44765936}" type="datetimeFigureOut">
               <a:rPr lang="en-US" smtClean="0"/>
-              <a:t>4/6/2017</a:t>
+              <a:t>4/10/2017</a:t>
             </a:fld>
             <a:endParaRPr lang="en-US"/>
           </a:p>
@@ -1121,10 +1126,9 @@
           <a:lstStyle/>
           <a:p>
             <a:r>
-              <a:rPr lang="en-US" smtClean="0"/>
+              <a:rPr lang="en-US"/>
               <a:t>Click to edit Master title style</a:t>
             </a:r>
-            <a:endParaRPr lang="en-US"/>
           </a:p>
         </p:txBody>
       </p:sp>
@@ -1150,38 +1154,37 @@
           <a:p>
             <a:pPr lvl="0"/>
             <a:r>
-              <a:rPr lang="en-US" smtClean="0"/>
+              <a:rPr lang="en-US"/>
               <a:t>Click to edit Master text styles</a:t>
             </a:r>
           </a:p>
           <a:p>
             <a:pPr lvl="1"/>
             <a:r>
-              <a:rPr lang="en-US" smtClean="0"/>
+              <a:rPr lang="en-US"/>
               <a:t>Second level</a:t>
             </a:r>
           </a:p>
           <a:p>
             <a:pPr lvl="2"/>
             <a:r>
-              <a:rPr lang="en-US" smtClean="0"/>
+              <a:rPr lang="en-US"/>
               <a:t>Third level</a:t>
             </a:r>
           </a:p>
           <a:p>
             <a:pPr lvl="3"/>
             <a:r>
-              <a:rPr lang="en-US" smtClean="0"/>
+              <a:rPr lang="en-US"/>
               <a:t>Fourth level</a:t>
             </a:r>
           </a:p>
           <a:p>
             <a:pPr lvl="4"/>
             <a:r>
-              <a:rPr lang="en-US" smtClean="0"/>
+              <a:rPr lang="en-US"/>
               <a:t>Fifth level</a:t>
             </a:r>
-            <a:endParaRPr lang="en-US"/>
           </a:p>
         </p:txBody>
       </p:sp>
@@ -1207,38 +1210,37 @@
           <a:p>
             <a:pPr lvl="0"/>
             <a:r>
-              <a:rPr lang="en-US" smtClean="0"/>
+              <a:rPr lang="en-US"/>
               <a:t>Click to edit Master text styles</a:t>
             </a:r>
           </a:p>
           <a:p>
             <a:pPr lvl="1"/>
             <a:r>
-              <a:rPr lang="en-US" smtClean="0"/>
+              <a:rPr lang="en-US"/>
               <a:t>Second level</a:t>
             </a:r>
           </a:p>
           <a:p>
             <a:pPr lvl="2"/>
             <a:r>
-              <a:rPr lang="en-US" smtClean="0"/>
+              <a:rPr lang="en-US"/>
               <a:t>Third level</a:t>
             </a:r>
           </a:p>
           <a:p>
             <a:pPr lvl="3"/>
             <a:r>
-              <a:rPr lang="en-US" smtClean="0"/>
+              <a:rPr lang="en-US"/>
               <a:t>Fourth level</a:t>
             </a:r>
           </a:p>
           <a:p>
             <a:pPr lvl="4"/>
             <a:r>
-              <a:rPr lang="en-US" smtClean="0"/>
+              <a:rPr lang="en-US"/>
               <a:t>Fifth level</a:t>
             </a:r>
-            <a:endParaRPr lang="en-US"/>
           </a:p>
         </p:txBody>
       </p:sp>
@@ -1259,7 +1261,7 @@
           <a:p>
             <a:fld id="{05E506CB-CE43-48FE-B8FE-D4AF44765936}" type="datetimeFigureOut">
               <a:rPr lang="en-US" smtClean="0"/>
-              <a:t>4/6/2017</a:t>
+              <a:t>4/10/2017</a:t>
             </a:fld>
             <a:endParaRPr lang="en-US"/>
           </a:p>
@@ -1358,10 +1360,9 @@
           <a:lstStyle/>
           <a:p>
             <a:r>
-              <a:rPr lang="en-US" smtClean="0"/>
+              <a:rPr lang="en-US"/>
               <a:t>Click to edit Master title style</a:t>
             </a:r>
-            <a:endParaRPr lang="en-US"/>
           </a:p>
         </p:txBody>
       </p:sp>
@@ -1424,7 +1425,7 @@
           <a:p>
             <a:pPr lvl="0"/>
             <a:r>
-              <a:rPr lang="en-US" smtClean="0"/>
+              <a:rPr lang="en-US"/>
               <a:t>Click to edit Master text styles</a:t>
             </a:r>
           </a:p>
@@ -1452,38 +1453,37 @@
           <a:p>
             <a:pPr lvl="0"/>
             <a:r>
-              <a:rPr lang="en-US" smtClean="0"/>
+              <a:rPr lang="en-US"/>
               <a:t>Click to edit Master text styles</a:t>
             </a:r>
           </a:p>
           <a:p>
             <a:pPr lvl="1"/>
             <a:r>
-              <a:rPr lang="en-US" smtClean="0"/>
+              <a:rPr lang="en-US"/>
               <a:t>Second level</a:t>
             </a:r>
           </a:p>
           <a:p>
             <a:pPr lvl="2"/>
             <a:r>
-              <a:rPr lang="en-US" smtClean="0"/>
+              <a:rPr lang="en-US"/>
               <a:t>Third level</a:t>
             </a:r>
           </a:p>
           <a:p>
             <a:pPr lvl="3"/>
             <a:r>
-              <a:rPr lang="en-US" smtClean="0"/>
+              <a:rPr lang="en-US"/>
               <a:t>Fourth level</a:t>
             </a:r>
           </a:p>
           <a:p>
             <a:pPr lvl="4"/>
             <a:r>
-              <a:rPr lang="en-US" smtClean="0"/>
+              <a:rPr lang="en-US"/>
               <a:t>Fifth level</a:t>
             </a:r>
-            <a:endParaRPr lang="en-US"/>
           </a:p>
         </p:txBody>
       </p:sp>
@@ -1546,7 +1546,7 @@
           <a:p>
             <a:pPr lvl="0"/>
             <a:r>
-              <a:rPr lang="en-US" smtClean="0"/>
+              <a:rPr lang="en-US"/>
               <a:t>Click to edit Master text styles</a:t>
             </a:r>
           </a:p>
@@ -1574,38 +1574,37 @@
           <a:p>
             <a:pPr lvl="0"/>
             <a:r>
-              <a:rPr lang="en-US" smtClean="0"/>
+              <a:rPr lang="en-US"/>
               <a:t>Click to edit Master text styles</a:t>
             </a:r>
           </a:p>
           <a:p>
             <a:pPr lvl="1"/>
             <a:r>
-              <a:rPr lang="en-US" smtClean="0"/>
+              <a:rPr lang="en-US"/>
               <a:t>Second level</a:t>
             </a:r>
           </a:p>
           <a:p>
             <a:pPr lvl="2"/>
             <a:r>
-              <a:rPr lang="en-US" smtClean="0"/>
+              <a:rPr lang="en-US"/>
               <a:t>Third level</a:t>
             </a:r>
           </a:p>
           <a:p>
             <a:pPr lvl="3"/>
             <a:r>
-              <a:rPr lang="en-US" smtClean="0"/>
+              <a:rPr lang="en-US"/>
               <a:t>Fourth level</a:t>
             </a:r>
           </a:p>
           <a:p>
             <a:pPr lvl="4"/>
             <a:r>
-              <a:rPr lang="en-US" smtClean="0"/>
+              <a:rPr lang="en-US"/>
               <a:t>Fifth level</a:t>
             </a:r>
-            <a:endParaRPr lang="en-US"/>
           </a:p>
         </p:txBody>
       </p:sp>
@@ -1626,7 +1625,7 @@
           <a:p>
             <a:fld id="{05E506CB-CE43-48FE-B8FE-D4AF44765936}" type="datetimeFigureOut">
               <a:rPr lang="en-US" smtClean="0"/>
-              <a:t>4/6/2017</a:t>
+              <a:t>4/10/2017</a:t>
             </a:fld>
             <a:endParaRPr lang="en-US"/>
           </a:p>
@@ -1720,10 +1719,9 @@
           <a:lstStyle/>
           <a:p>
             <a:r>
-              <a:rPr lang="en-US" smtClean="0"/>
+              <a:rPr lang="en-US"/>
               <a:t>Click to edit Master title style</a:t>
             </a:r>
-            <a:endParaRPr lang="en-US"/>
           </a:p>
         </p:txBody>
       </p:sp>
@@ -1744,7 +1742,7 @@
           <a:p>
             <a:fld id="{05E506CB-CE43-48FE-B8FE-D4AF44765936}" type="datetimeFigureOut">
               <a:rPr lang="en-US" smtClean="0"/>
-              <a:t>4/6/2017</a:t>
+              <a:t>4/10/2017</a:t>
             </a:fld>
             <a:endParaRPr lang="en-US"/>
           </a:p>
@@ -1839,7 +1837,7 @@
           <a:p>
             <a:fld id="{05E506CB-CE43-48FE-B8FE-D4AF44765936}" type="datetimeFigureOut">
               <a:rPr lang="en-US" smtClean="0"/>
-              <a:t>4/6/2017</a:t>
+              <a:t>4/10/2017</a:t>
             </a:fld>
             <a:endParaRPr lang="en-US"/>
           </a:p>
@@ -1942,10 +1940,9 @@
           </a:lstStyle>
           <a:p>
             <a:r>
-              <a:rPr lang="en-US" smtClean="0"/>
+              <a:rPr lang="en-US"/>
               <a:t>Click to edit Master title style</a:t>
             </a:r>
-            <a:endParaRPr lang="en-US"/>
           </a:p>
         </p:txBody>
       </p:sp>
@@ -1999,38 +1996,37 @@
           <a:p>
             <a:pPr lvl="0"/>
             <a:r>
-              <a:rPr lang="en-US" smtClean="0"/>
+              <a:rPr lang="en-US"/>
               <a:t>Click to edit Master text styles</a:t>
             </a:r>
           </a:p>
           <a:p>
             <a:pPr lvl="1"/>
             <a:r>
-              <a:rPr lang="en-US" smtClean="0"/>
+              <a:rPr lang="en-US"/>
               <a:t>Second level</a:t>
             </a:r>
           </a:p>
           <a:p>
             <a:pPr lvl="2"/>
             <a:r>
-              <a:rPr lang="en-US" smtClean="0"/>
+              <a:rPr lang="en-US"/>
               <a:t>Third level</a:t>
             </a:r>
           </a:p>
           <a:p>
             <a:pPr lvl="3"/>
             <a:r>
-              <a:rPr lang="en-US" smtClean="0"/>
+              <a:rPr lang="en-US"/>
               <a:t>Fourth level</a:t>
             </a:r>
           </a:p>
           <a:p>
             <a:pPr lvl="4"/>
             <a:r>
-              <a:rPr lang="en-US" smtClean="0"/>
+              <a:rPr lang="en-US"/>
               <a:t>Fifth level</a:t>
             </a:r>
-            <a:endParaRPr lang="en-US"/>
           </a:p>
         </p:txBody>
       </p:sp>
@@ -2093,7 +2089,7 @@
           <a:p>
             <a:pPr lvl="0"/>
             <a:r>
-              <a:rPr lang="en-US" smtClean="0"/>
+              <a:rPr lang="en-US"/>
               <a:t>Click to edit Master text styles</a:t>
             </a:r>
           </a:p>
@@ -2116,7 +2112,7 @@
           <a:p>
             <a:fld id="{05E506CB-CE43-48FE-B8FE-D4AF44765936}" type="datetimeFigureOut">
               <a:rPr lang="en-US" smtClean="0"/>
-              <a:t>4/6/2017</a:t>
+              <a:t>4/10/2017</a:t>
             </a:fld>
             <a:endParaRPr lang="en-US"/>
           </a:p>
@@ -2219,10 +2215,9 @@
           </a:lstStyle>
           <a:p>
             <a:r>
-              <a:rPr lang="en-US" smtClean="0"/>
+              <a:rPr lang="en-US"/>
               <a:t>Click to edit Master title style</a:t>
             </a:r>
-            <a:endParaRPr lang="en-US"/>
           </a:p>
         </p:txBody>
       </p:sp>
@@ -2346,7 +2341,7 @@
           <a:p>
             <a:pPr lvl="0"/>
             <a:r>
-              <a:rPr lang="en-US" smtClean="0"/>
+              <a:rPr lang="en-US"/>
               <a:t>Click to edit Master text styles</a:t>
             </a:r>
           </a:p>
@@ -2369,7 +2364,7 @@
           <a:p>
             <a:fld id="{05E506CB-CE43-48FE-B8FE-D4AF44765936}" type="datetimeFigureOut">
               <a:rPr lang="en-US" smtClean="0"/>
-              <a:t>4/6/2017</a:t>
+              <a:t>4/10/2017</a:t>
             </a:fld>
             <a:endParaRPr lang="en-US"/>
           </a:p>
@@ -2478,10 +2473,9 @@
           <a:lstStyle/>
           <a:p>
             <a:r>
-              <a:rPr lang="en-US" smtClean="0"/>
+              <a:rPr lang="en-US"/>
               <a:t>Click to edit Master title style</a:t>
             </a:r>
-            <a:endParaRPr lang="en-US"/>
           </a:p>
         </p:txBody>
       </p:sp>
@@ -2512,38 +2506,37 @@
           <a:p>
             <a:pPr lvl="0"/>
             <a:r>
-              <a:rPr lang="en-US" smtClean="0"/>
+              <a:rPr lang="en-US"/>
               <a:t>Click to edit Master text styles</a:t>
             </a:r>
           </a:p>
           <a:p>
             <a:pPr lvl="1"/>
             <a:r>
-              <a:rPr lang="en-US" smtClean="0"/>
+              <a:rPr lang="en-US"/>
               <a:t>Second level</a:t>
             </a:r>
           </a:p>
           <a:p>
             <a:pPr lvl="2"/>
             <a:r>
-              <a:rPr lang="en-US" smtClean="0"/>
+              <a:rPr lang="en-US"/>
               <a:t>Third level</a:t>
             </a:r>
           </a:p>
           <a:p>
             <a:pPr lvl="3"/>
             <a:r>
-              <a:rPr lang="en-US" smtClean="0"/>
+              <a:rPr lang="en-US"/>
               <a:t>Fourth level</a:t>
             </a:r>
           </a:p>
           <a:p>
             <a:pPr lvl="4"/>
             <a:r>
-              <a:rPr lang="en-US" smtClean="0"/>
+              <a:rPr lang="en-US"/>
               <a:t>Fifth level</a:t>
             </a:r>
-            <a:endParaRPr lang="en-US"/>
           </a:p>
         </p:txBody>
       </p:sp>
@@ -2582,7 +2575,7 @@
           <a:p>
             <a:fld id="{05E506CB-CE43-48FE-B8FE-D4AF44765936}" type="datetimeFigureOut">
               <a:rPr lang="en-US" smtClean="0"/>
-              <a:t>4/6/2017</a:t>
+              <a:t>4/10/2017</a:t>
             </a:fld>
             <a:endParaRPr lang="en-US"/>
           </a:p>
@@ -2999,67 +2992,60 @@
         </p:nvSpPr>
         <p:spPr/>
         <p:txBody>
+          <a:bodyPr>
+            <a:normAutofit fontScale="90000"/>
+          </a:bodyPr>
+          <a:lstStyle/>
+          <a:p>
+            <a:r>
+              <a:rPr lang="en-US" dirty="0"/>
+              <a:t>User guide and presentation for the doorboard11 prototype</a:t>
+            </a:r>
+          </a:p>
+        </p:txBody>
+      </p:sp>
+      <p:sp>
+        <p:nvSpPr>
+          <p:cNvPr id="3" name="Subtitle 2"/>
+          <p:cNvSpPr>
+            <a:spLocks noGrp="1"/>
+          </p:cNvSpPr>
+          <p:nvPr>
+            <p:ph type="subTitle" idx="1"/>
+          </p:nvPr>
+        </p:nvSpPr>
+        <p:spPr/>
+        <p:txBody>
           <a:bodyPr/>
           <a:lstStyle/>
           <a:p>
             <a:r>
-              <a:rPr lang="en-US" dirty="0" smtClean="0"/>
-              <a:t>User guide for </a:t>
-            </a:r>
-            <a:r>
-              <a:rPr lang="en-US" dirty="0" err="1" smtClean="0"/>
-              <a:t>doorboard</a:t>
-            </a:r>
-            <a:r>
-              <a:rPr lang="en-US" dirty="0" smtClean="0"/>
-              <a:t> prototype</a:t>
-            </a:r>
-            <a:endParaRPr lang="en-US" dirty="0"/>
-          </a:p>
-        </p:txBody>
-      </p:sp>
-      <p:sp>
-        <p:nvSpPr>
-          <p:cNvPr id="3" name="Subtitle 2"/>
-          <p:cNvSpPr>
-            <a:spLocks noGrp="1"/>
-          </p:cNvSpPr>
-          <p:nvPr>
-            <p:ph type="subTitle" idx="1"/>
-          </p:nvPr>
-        </p:nvSpPr>
-        <p:spPr/>
-        <p:txBody>
-          <a:bodyPr/>
-          <a:lstStyle/>
-          <a:p>
-            <a:r>
-              <a:rPr lang="en-US" sz="1600" dirty="0" smtClean="0"/>
+              <a:rPr lang="en-US" sz="1600" dirty="0"/>
               <a:t>All professors’ information in this prototype are from </a:t>
             </a:r>
             <a:r>
-              <a:rPr lang="en-US" sz="1600" dirty="0" smtClean="0">
+              <a:rPr lang="en-US" sz="1600" dirty="0">
                 <a:hlinkClick r:id="rId2"/>
               </a:rPr>
               <a:t>http://www.cs.umd.edu/people/faculty</a:t>
             </a:r>
-            <a:endParaRPr lang="en-US" sz="1600" dirty="0" smtClean="0"/>
-          </a:p>
-          <a:p>
-            <a:r>
-              <a:rPr lang="en-US" sz="1600" dirty="0" smtClean="0"/>
+            <a:endParaRPr lang="en-US" sz="1600" dirty="0"/>
+          </a:p>
+          <a:p>
+            <a:r>
+              <a:rPr lang="en-US" sz="1600" dirty="0"/>
               <a:t>All icons were from </a:t>
             </a:r>
             <a:r>
-              <a:rPr lang="en-US" sz="1600" dirty="0" smtClean="0">
+              <a:rPr lang="en-US" sz="1600" dirty="0">
                 <a:hlinkClick r:id="rId3"/>
               </a:rPr>
               <a:t>http://fontawesome.io/</a:t>
             </a:r>
-            <a:endParaRPr lang="en-US" sz="1600" dirty="0" smtClean="0"/>
-          </a:p>
-          <a:p>
-            <a:endParaRPr lang="en-US" dirty="0" smtClean="0"/>
+            <a:endParaRPr lang="en-US" sz="1600" dirty="0"/>
+          </a:p>
+          <a:p>
+            <a:endParaRPr lang="en-US" dirty="0"/>
           </a:p>
         </p:txBody>
       </p:sp>
@@ -3077,6 +3063,131 @@
 </file>
 
 <file path=ppt/slides/slide10.xml><?xml version="1.0" encoding="utf-8"?>
+<p:sld xmlns:a="http://schemas.openxmlformats.org/drawingml/2006/main" xmlns:r="http://schemas.openxmlformats.org/officeDocument/2006/relationships" xmlns:p="http://schemas.openxmlformats.org/presentationml/2006/main">
+  <p:cSld>
+    <p:spTree>
+      <p:nvGrpSpPr>
+        <p:cNvPr id="1" name=""/>
+        <p:cNvGrpSpPr/>
+        <p:nvPr/>
+      </p:nvGrpSpPr>
+      <p:grpSpPr>
+        <a:xfrm>
+          <a:off x="0" y="0"/>
+          <a:ext cx="0" cy="0"/>
+          <a:chOff x="0" y="0"/>
+          <a:chExt cx="0" cy="0"/>
+        </a:xfrm>
+      </p:grpSpPr>
+      <p:pic>
+        <p:nvPicPr>
+          <p:cNvPr id="4" name="Picture 3"/>
+          <p:cNvPicPr>
+            <a:picLocks noChangeAspect="1"/>
+          </p:cNvPicPr>
+          <p:nvPr/>
+        </p:nvPicPr>
+        <p:blipFill>
+          <a:blip r:embed="rId2">
+            <a:extLst>
+              <a:ext uri="{28A0092B-C50C-407E-A947-70E740481C1C}">
+                <a14:useLocalDpi xmlns:a14="http://schemas.microsoft.com/office/drawing/2010/main" val="0"/>
+              </a:ext>
+            </a:extLst>
+          </a:blip>
+          <a:stretch>
+            <a:fillRect/>
+          </a:stretch>
+        </p:blipFill>
+        <p:spPr>
+          <a:xfrm>
+            <a:off x="2133600" y="0"/>
+            <a:ext cx="10058400" cy="6815945"/>
+          </a:xfrm>
+          <a:prstGeom prst="rect">
+            <a:avLst/>
+          </a:prstGeom>
+        </p:spPr>
+      </p:pic>
+      <p:sp>
+        <p:nvSpPr>
+          <p:cNvPr id="2" name="Title 1"/>
+          <p:cNvSpPr>
+            <a:spLocks noGrp="1"/>
+          </p:cNvSpPr>
+          <p:nvPr>
+            <p:ph type="title"/>
+          </p:nvPr>
+        </p:nvSpPr>
+        <p:spPr>
+          <a:xfrm>
+            <a:off x="0" y="707010"/>
+            <a:ext cx="2068398" cy="3839999"/>
+          </a:xfrm>
+        </p:spPr>
+        <p:txBody>
+          <a:bodyPr>
+            <a:normAutofit/>
+          </a:bodyPr>
+          <a:lstStyle/>
+          <a:p>
+            <a:r>
+              <a:rPr lang="en-US" sz="2400" dirty="0"/>
+              <a:t>By clicking on the browse button, you can change the profile photo.(The photo has to be at the same directory as these html files)</a:t>
+            </a:r>
+          </a:p>
+        </p:txBody>
+      </p:sp>
+      <p:cxnSp>
+        <p:nvCxnSpPr>
+          <p:cNvPr id="9" name="Straight Arrow Connector 8"/>
+          <p:cNvCxnSpPr/>
+          <p:nvPr/>
+        </p:nvCxnSpPr>
+        <p:spPr>
+          <a:xfrm>
+            <a:off x="1870435" y="2545530"/>
+            <a:ext cx="1033021" cy="889188"/>
+          </a:xfrm>
+          <a:prstGeom prst="straightConnector1">
+            <a:avLst/>
+          </a:prstGeom>
+          <a:ln>
+            <a:solidFill>
+              <a:schemeClr val="tx1"/>
+            </a:solidFill>
+            <a:tailEnd type="triangle"/>
+          </a:ln>
+        </p:spPr>
+        <p:style>
+          <a:lnRef idx="1">
+            <a:schemeClr val="accent1"/>
+          </a:lnRef>
+          <a:fillRef idx="0">
+            <a:schemeClr val="accent1"/>
+          </a:fillRef>
+          <a:effectRef idx="0">
+            <a:schemeClr val="accent1"/>
+          </a:effectRef>
+          <a:fontRef idx="minor">
+            <a:schemeClr val="tx1"/>
+          </a:fontRef>
+        </p:style>
+      </p:cxnSp>
+    </p:spTree>
+    <p:extLst>
+      <p:ext uri="{BB962C8B-B14F-4D97-AF65-F5344CB8AC3E}">
+        <p14:creationId xmlns:p14="http://schemas.microsoft.com/office/powerpoint/2010/main" val="2298544511"/>
+      </p:ext>
+    </p:extLst>
+  </p:cSld>
+  <p:clrMapOvr>
+    <a:masterClrMapping/>
+  </p:clrMapOvr>
+</p:sld>
+</file>
+
+<file path=ppt/slides/slide11.xml><?xml version="1.0" encoding="utf-8"?>
 <p:sld xmlns:a="http://schemas.openxmlformats.org/drawingml/2006/main" xmlns:r="http://schemas.openxmlformats.org/officeDocument/2006/relationships" xmlns:p="http://schemas.openxmlformats.org/presentationml/2006/main">
   <p:cSld>
     <p:spTree>
@@ -3146,10 +3257,9 @@
           <a:lstStyle/>
           <a:p>
             <a:r>
-              <a:rPr lang="en-US" sz="2400" dirty="0" smtClean="0"/>
+              <a:rPr lang="en-US" sz="2400" dirty="0"/>
               <a:t>After selecting the photo, you can see the preview.</a:t>
             </a:r>
-            <a:endParaRPr lang="en-US" sz="2400" dirty="0"/>
           </a:p>
         </p:txBody>
       </p:sp>
@@ -3176,10 +3286,9 @@
           <a:lstStyle/>
           <a:p>
             <a:r>
-              <a:rPr lang="en-US" sz="2400" dirty="0" smtClean="0"/>
+              <a:rPr lang="en-US" sz="2400" dirty="0"/>
               <a:t>You can also change any information in these text box.</a:t>
             </a:r>
-            <a:endParaRPr lang="en-US" sz="2400" dirty="0"/>
           </a:p>
         </p:txBody>
       </p:sp>
@@ -3242,7 +3351,7 @@
 </p:sld>
 </file>
 
-<file path=ppt/slides/slide11.xml><?xml version="1.0" encoding="utf-8"?>
+<file path=ppt/slides/slide12.xml><?xml version="1.0" encoding="utf-8"?>
 <p:sld xmlns:a="http://schemas.openxmlformats.org/drawingml/2006/main" xmlns:r="http://schemas.openxmlformats.org/officeDocument/2006/relationships" xmlns:p="http://schemas.openxmlformats.org/presentationml/2006/main">
   <p:cSld>
     <p:spTree>
@@ -3312,10 +3421,9 @@
           <a:lstStyle/>
           <a:p>
             <a:r>
-              <a:rPr lang="en-US" sz="2400" dirty="0" smtClean="0"/>
+              <a:rPr lang="en-US" sz="2400" dirty="0"/>
               <a:t>All changes will not be saved until you click the save button.</a:t>
             </a:r>
-            <a:endParaRPr lang="en-US" sz="2400" dirty="0"/>
           </a:p>
         </p:txBody>
       </p:sp>
@@ -3359,103 +3467,6 @@
     <p:extLst>
       <p:ext uri="{BB962C8B-B14F-4D97-AF65-F5344CB8AC3E}">
         <p14:creationId xmlns:p14="http://schemas.microsoft.com/office/powerpoint/2010/main" val="132595740"/>
-      </p:ext>
-    </p:extLst>
-  </p:cSld>
-  <p:clrMapOvr>
-    <a:masterClrMapping/>
-  </p:clrMapOvr>
-</p:sld>
-</file>
-
-<file path=ppt/slides/slide12.xml><?xml version="1.0" encoding="utf-8"?>
-<p:sld xmlns:a="http://schemas.openxmlformats.org/drawingml/2006/main" xmlns:r="http://schemas.openxmlformats.org/officeDocument/2006/relationships" xmlns:p="http://schemas.openxmlformats.org/presentationml/2006/main">
-  <p:cSld>
-    <p:spTree>
-      <p:nvGrpSpPr>
-        <p:cNvPr id="1" name=""/>
-        <p:cNvGrpSpPr/>
-        <p:nvPr/>
-      </p:nvGrpSpPr>
-      <p:grpSpPr>
-        <a:xfrm>
-          <a:off x="0" y="0"/>
-          <a:ext cx="0" cy="0"/>
-          <a:chOff x="0" y="0"/>
-          <a:chExt cx="0" cy="0"/>
-        </a:xfrm>
-      </p:grpSpPr>
-      <p:pic>
-        <p:nvPicPr>
-          <p:cNvPr id="4" name="Picture 3"/>
-          <p:cNvPicPr>
-            <a:picLocks noChangeAspect="1"/>
-          </p:cNvPicPr>
-          <p:nvPr/>
-        </p:nvPicPr>
-        <p:blipFill>
-          <a:blip r:embed="rId2">
-            <a:extLst>
-              <a:ext uri="{28A0092B-C50C-407E-A947-70E740481C1C}">
-                <a14:useLocalDpi xmlns:a14="http://schemas.microsoft.com/office/drawing/2010/main" val="0"/>
-              </a:ext>
-            </a:extLst>
-          </a:blip>
-          <a:stretch>
-            <a:fillRect/>
-          </a:stretch>
-        </p:blipFill>
-        <p:spPr>
-          <a:xfrm>
-            <a:off x="0" y="0"/>
-            <a:ext cx="10058400" cy="6739552"/>
-          </a:xfrm>
-          <a:prstGeom prst="rect">
-            <a:avLst/>
-          </a:prstGeom>
-        </p:spPr>
-      </p:pic>
-      <p:sp>
-        <p:nvSpPr>
-          <p:cNvPr id="2" name="Title 1"/>
-          <p:cNvSpPr>
-            <a:spLocks noGrp="1"/>
-          </p:cNvSpPr>
-          <p:nvPr>
-            <p:ph type="title"/>
-          </p:nvPr>
-        </p:nvSpPr>
-        <p:spPr>
-          <a:xfrm>
-            <a:off x="10058399" y="1414021"/>
-            <a:ext cx="2011837" cy="4103949"/>
-          </a:xfrm>
-        </p:spPr>
-        <p:txBody>
-          <a:bodyPr>
-            <a:noAutofit/>
-          </a:bodyPr>
-          <a:lstStyle/>
-          <a:p>
-            <a:r>
-              <a:rPr lang="en-US" sz="2400" dirty="0" smtClean="0"/>
-              <a:t>After confirmation, all changes will be saved and shown on </a:t>
-            </a:r>
-            <a:r>
-              <a:rPr lang="en-US" sz="2400" dirty="0" err="1" smtClean="0"/>
-              <a:t>doorboard</a:t>
-            </a:r>
-            <a:r>
-              <a:rPr lang="en-US" sz="2400" dirty="0"/>
-              <a:t>.</a:t>
-            </a:r>
-          </a:p>
-        </p:txBody>
-      </p:sp>
-    </p:spTree>
-    <p:extLst>
-      <p:ext uri="{BB962C8B-B14F-4D97-AF65-F5344CB8AC3E}">
-        <p14:creationId xmlns:p14="http://schemas.microsoft.com/office/powerpoint/2010/main" val="929500926"/>
       </p:ext>
     </p:extLst>
   </p:cSld>
@@ -3505,7 +3516,7 @@
         <p:spPr>
           <a:xfrm>
             <a:off x="0" y="0"/>
-            <a:ext cx="10058400" cy="6821408"/>
+            <a:ext cx="10058400" cy="6739552"/>
           </a:xfrm>
           <a:prstGeom prst="rect">
             <a:avLst/>
@@ -3514,74 +3525,45 @@
       </p:pic>
       <p:sp>
         <p:nvSpPr>
-          <p:cNvPr id="5" name="TextBox 4"/>
-          <p:cNvSpPr txBox="1"/>
-          <p:nvPr/>
-        </p:nvSpPr>
-        <p:spPr>
-          <a:xfrm>
-            <a:off x="10246936" y="386499"/>
-            <a:ext cx="1715678" cy="2677656"/>
-          </a:xfrm>
-          <a:prstGeom prst="rect">
-            <a:avLst/>
-          </a:prstGeom>
-          <a:noFill/>
-        </p:spPr>
-        <p:txBody>
-          <a:bodyPr wrap="square" rtlCol="0">
-            <a:spAutoFit/>
+          <p:cNvPr id="2" name="Title 1"/>
+          <p:cNvSpPr>
+            <a:spLocks noGrp="1"/>
+          </p:cNvSpPr>
+          <p:nvPr>
+            <p:ph type="title"/>
+          </p:nvPr>
+        </p:nvSpPr>
+        <p:spPr>
+          <a:xfrm>
+            <a:off x="10058399" y="1414021"/>
+            <a:ext cx="2011837" cy="4103949"/>
+          </a:xfrm>
+        </p:spPr>
+        <p:txBody>
+          <a:bodyPr>
+            <a:noAutofit/>
           </a:bodyPr>
           <a:lstStyle/>
           <a:p>
             <a:r>
-              <a:rPr lang="en-US" sz="2400" dirty="0" smtClean="0"/>
-              <a:t>You can use the reset button if you want to reverse any changes you saved.</a:t>
-            </a:r>
-            <a:endParaRPr lang="en-US" sz="2400" dirty="0"/>
-          </a:p>
-        </p:txBody>
-      </p:sp>
-      <p:cxnSp>
-        <p:nvCxnSpPr>
-          <p:cNvPr id="7" name="Straight Arrow Connector 6"/>
-          <p:cNvCxnSpPr/>
-          <p:nvPr/>
-        </p:nvCxnSpPr>
-        <p:spPr>
-          <a:xfrm flipH="1">
-            <a:off x="9794449" y="1027521"/>
-            <a:ext cx="386499" cy="0"/>
-          </a:xfrm>
-          <a:prstGeom prst="straightConnector1">
-            <a:avLst/>
-          </a:prstGeom>
-          <a:ln>
-            <a:solidFill>
-              <a:srgbClr val="FF0000"/>
-            </a:solidFill>
-            <a:tailEnd type="triangle"/>
-          </a:ln>
-        </p:spPr>
-        <p:style>
-          <a:lnRef idx="1">
-            <a:schemeClr val="accent1"/>
-          </a:lnRef>
-          <a:fillRef idx="0">
-            <a:schemeClr val="accent1"/>
-          </a:fillRef>
-          <a:effectRef idx="0">
-            <a:schemeClr val="accent1"/>
-          </a:effectRef>
-          <a:fontRef idx="minor">
-            <a:schemeClr val="tx1"/>
-          </a:fontRef>
-        </p:style>
-      </p:cxnSp>
+              <a:rPr lang="en-US" sz="2400" dirty="0"/>
+              <a:t>After confirmation, all changes will be saved and shown on </a:t>
+            </a:r>
+            <a:r>
+              <a:rPr lang="en-US" sz="2400" dirty="0" err="1"/>
+              <a:t>doorboard</a:t>
+            </a:r>
+            <a:r>
+              <a:rPr lang="en-US" sz="2400" dirty="0"/>
+              <a:t>.</a:t>
+            </a:r>
+          </a:p>
+        </p:txBody>
+      </p:sp>
     </p:spTree>
     <p:extLst>
       <p:ext uri="{BB962C8B-B14F-4D97-AF65-F5344CB8AC3E}">
-        <p14:creationId xmlns:p14="http://schemas.microsoft.com/office/powerpoint/2010/main" val="806967819"/>
+        <p14:creationId xmlns:p14="http://schemas.microsoft.com/office/powerpoint/2010/main" val="929500926"/>
       </p:ext>
     </p:extLst>
   </p:cSld>
@@ -3630,8 +3612,8 @@
         </p:blipFill>
         <p:spPr>
           <a:xfrm>
-            <a:off x="0" y="19308"/>
-            <a:ext cx="10058400" cy="6838692"/>
+            <a:off x="0" y="0"/>
+            <a:ext cx="10058400" cy="6821408"/>
           </a:xfrm>
           <a:prstGeom prst="rect">
             <a:avLst/>
@@ -3646,8 +3628,8 @@
         </p:nvSpPr>
         <p:spPr>
           <a:xfrm>
-            <a:off x="10162095" y="329938"/>
-            <a:ext cx="1923068" cy="2308324"/>
+            <a:off x="10246936" y="386499"/>
+            <a:ext cx="1715678" cy="2677656"/>
           </a:xfrm>
           <a:prstGeom prst="rect">
             <a:avLst/>
@@ -3661,10 +3643,9 @@
           <a:lstStyle/>
           <a:p>
             <a:r>
-              <a:rPr lang="en-US" sz="2400" dirty="0" smtClean="0"/>
-              <a:t>By clicking the log out button, you can go back to the login page.</a:t>
-            </a:r>
-            <a:endParaRPr lang="en-US" sz="2400" dirty="0"/>
+              <a:rPr lang="en-US" sz="2400" dirty="0"/>
+              <a:t>You can use the reset button if you want to reverse any changes you saved.</a:t>
+            </a:r>
           </a:p>
         </p:txBody>
       </p:sp>
@@ -3676,8 +3657,8 @@
         </p:nvCxnSpPr>
         <p:spPr>
           <a:xfrm flipH="1">
-            <a:off x="9756743" y="2092751"/>
-            <a:ext cx="424206" cy="301657"/>
+            <a:off x="9794449" y="1027521"/>
+            <a:ext cx="386499" cy="0"/>
           </a:xfrm>
           <a:prstGeom prst="straightConnector1">
             <a:avLst/>
@@ -3707,7 +3688,7 @@
     </p:spTree>
     <p:extLst>
       <p:ext uri="{BB962C8B-B14F-4D97-AF65-F5344CB8AC3E}">
-        <p14:creationId xmlns:p14="http://schemas.microsoft.com/office/powerpoint/2010/main" val="3137871620"/>
+        <p14:creationId xmlns:p14="http://schemas.microsoft.com/office/powerpoint/2010/main" val="806967819"/>
       </p:ext>
     </p:extLst>
   </p:cSld>
@@ -3756,8 +3737,8 @@
         </p:blipFill>
         <p:spPr>
           <a:xfrm>
-            <a:off x="0" y="0"/>
-            <a:ext cx="9144000" cy="6858000"/>
+            <a:off x="0" y="19308"/>
+            <a:ext cx="10058400" cy="6838692"/>
           </a:xfrm>
           <a:prstGeom prst="rect">
             <a:avLst/>
@@ -3766,45 +3747,73 @@
       </p:pic>
       <p:sp>
         <p:nvSpPr>
-          <p:cNvPr id="2" name="Title 1"/>
-          <p:cNvSpPr>
-            <a:spLocks noGrp="1"/>
-          </p:cNvSpPr>
-          <p:nvPr>
-            <p:ph type="title"/>
-          </p:nvPr>
-        </p:nvSpPr>
-        <p:spPr>
-          <a:xfrm>
-            <a:off x="9144000" y="1206631"/>
-            <a:ext cx="2596299" cy="1869797"/>
-          </a:xfrm>
-        </p:spPr>
-        <p:txBody>
-          <a:bodyPr>
-            <a:normAutofit fontScale="90000"/>
+          <p:cNvPr id="5" name="TextBox 4"/>
+          <p:cNvSpPr txBox="1"/>
+          <p:nvPr/>
+        </p:nvSpPr>
+        <p:spPr>
+          <a:xfrm>
+            <a:off x="10162095" y="329938"/>
+            <a:ext cx="1923068" cy="2308324"/>
+          </a:xfrm>
+          <a:prstGeom prst="rect">
+            <a:avLst/>
+          </a:prstGeom>
+          <a:noFill/>
+        </p:spPr>
+        <p:txBody>
+          <a:bodyPr wrap="square" rtlCol="0">
+            <a:spAutoFit/>
           </a:bodyPr>
           <a:lstStyle/>
           <a:p>
             <a:r>
-              <a:rPr lang="en-US" sz="2400" dirty="0" smtClean="0"/>
-              <a:t>Log in board.html with one of these three usernames will show corresponding display on the </a:t>
-            </a:r>
-            <a:r>
-              <a:rPr lang="en-US" sz="2400" dirty="0" err="1" smtClean="0"/>
-              <a:t>doorboard</a:t>
-            </a:r>
-            <a:r>
               <a:rPr lang="en-US" sz="2400" dirty="0"/>
-              <a:t>.</a:t>
-            </a:r>
-          </a:p>
-        </p:txBody>
-      </p:sp>
+              <a:t>By clicking the log out button, you can go back to the login page.</a:t>
+            </a:r>
+          </a:p>
+        </p:txBody>
+      </p:sp>
+      <p:cxnSp>
+        <p:nvCxnSpPr>
+          <p:cNvPr id="7" name="Straight Arrow Connector 6"/>
+          <p:cNvCxnSpPr/>
+          <p:nvPr/>
+        </p:nvCxnSpPr>
+        <p:spPr>
+          <a:xfrm flipH="1">
+            <a:off x="9756743" y="2092751"/>
+            <a:ext cx="424206" cy="301657"/>
+          </a:xfrm>
+          <a:prstGeom prst="straightConnector1">
+            <a:avLst/>
+          </a:prstGeom>
+          <a:ln>
+            <a:solidFill>
+              <a:srgbClr val="FF0000"/>
+            </a:solidFill>
+            <a:tailEnd type="triangle"/>
+          </a:ln>
+        </p:spPr>
+        <p:style>
+          <a:lnRef idx="1">
+            <a:schemeClr val="accent1"/>
+          </a:lnRef>
+          <a:fillRef idx="0">
+            <a:schemeClr val="accent1"/>
+          </a:fillRef>
+          <a:effectRef idx="0">
+            <a:schemeClr val="accent1"/>
+          </a:effectRef>
+          <a:fontRef idx="minor">
+            <a:schemeClr val="tx1"/>
+          </a:fontRef>
+        </p:style>
+      </p:cxnSp>
     </p:spTree>
     <p:extLst>
       <p:ext uri="{BB962C8B-B14F-4D97-AF65-F5344CB8AC3E}">
-        <p14:creationId xmlns:p14="http://schemas.microsoft.com/office/powerpoint/2010/main" val="110874302"/>
+        <p14:creationId xmlns:p14="http://schemas.microsoft.com/office/powerpoint/2010/main" val="3137871620"/>
       </p:ext>
     </p:extLst>
   </p:cSld>
@@ -3831,22 +3840,45 @@
           <a:chExt cx="0" cy="0"/>
         </a:xfrm>
       </p:grpSpPr>
+      <p:sp>
+        <p:nvSpPr>
+          <p:cNvPr id="3" name="Title 1"/>
+          <p:cNvSpPr>
+            <a:spLocks noGrp="1"/>
+          </p:cNvSpPr>
+          <p:nvPr>
+            <p:ph type="title"/>
+          </p:nvPr>
+        </p:nvSpPr>
+        <p:spPr>
+          <a:xfrm>
+            <a:off x="9534617" y="1138334"/>
+            <a:ext cx="2505607" cy="5057192"/>
+          </a:xfrm>
+        </p:spPr>
+        <p:txBody>
+          <a:bodyPr>
+            <a:normAutofit/>
+          </a:bodyPr>
+          <a:lstStyle/>
+          <a:p>
+            <a:r>
+              <a:rPr lang="en-US" sz="2400" dirty="0"/>
+              <a:t>In order to access notifications left by students or guest that have accessed your door board, you have to log in to your configuration board. From there, you can click view logs.</a:t>
+            </a:r>
+          </a:p>
+        </p:txBody>
+      </p:sp>
       <p:pic>
         <p:nvPicPr>
-          <p:cNvPr id="4" name="Picture 3"/>
+          <p:cNvPr id="2" name="Picture 1"/>
           <p:cNvPicPr>
             <a:picLocks noChangeAspect="1"/>
           </p:cNvPicPr>
           <p:nvPr/>
         </p:nvPicPr>
         <p:blipFill>
-          <a:blip r:embed="rId2">
-            <a:extLst>
-              <a:ext uri="{28A0092B-C50C-407E-A947-70E740481C1C}">
-                <a14:useLocalDpi xmlns:a14="http://schemas.microsoft.com/office/drawing/2010/main" val="0"/>
-              </a:ext>
-            </a:extLst>
-          </a:blip>
+          <a:blip r:embed="rId2"/>
           <a:stretch>
             <a:fillRect/>
           </a:stretch>
@@ -3854,92 +3886,17 @@
         <p:spPr>
           <a:xfrm>
             <a:off x="0" y="0"/>
-            <a:ext cx="9152826" cy="6858000"/>
+            <a:ext cx="9534617" cy="6858000"/>
           </a:xfrm>
           <a:prstGeom prst="rect">
             <a:avLst/>
           </a:prstGeom>
         </p:spPr>
       </p:pic>
-      <p:sp>
-        <p:nvSpPr>
-          <p:cNvPr id="2" name="Title 1"/>
-          <p:cNvSpPr>
-            <a:spLocks noGrp="1"/>
-          </p:cNvSpPr>
-          <p:nvPr>
-            <p:ph type="title"/>
-          </p:nvPr>
-        </p:nvSpPr>
-        <p:spPr>
-          <a:xfrm>
-            <a:off x="9350788" y="591368"/>
-            <a:ext cx="2559193" cy="1325563"/>
-          </a:xfrm>
-        </p:spPr>
-        <p:txBody>
-          <a:bodyPr>
-            <a:normAutofit/>
-          </a:bodyPr>
-          <a:lstStyle/>
-          <a:p>
-            <a:r>
-              <a:rPr lang="en-US" sz="2400" dirty="0" smtClean="0"/>
-              <a:t>This is what the page looks like on the </a:t>
-            </a:r>
-            <a:r>
-              <a:rPr lang="en-US" sz="2400" dirty="0" err="1" smtClean="0"/>
-              <a:t>doorboard</a:t>
-            </a:r>
-            <a:r>
-              <a:rPr lang="en-US" sz="2400" dirty="0"/>
-              <a:t>.</a:t>
-            </a:r>
-          </a:p>
-        </p:txBody>
-      </p:sp>
-      <p:sp>
-        <p:nvSpPr>
-          <p:cNvPr id="5" name="TextBox 4"/>
-          <p:cNvSpPr txBox="1"/>
-          <p:nvPr/>
-        </p:nvSpPr>
-        <p:spPr>
-          <a:xfrm>
-            <a:off x="9455085" y="3082565"/>
-            <a:ext cx="2526383" cy="2031325"/>
-          </a:xfrm>
-          <a:prstGeom prst="rect">
-            <a:avLst/>
-          </a:prstGeom>
-          <a:noFill/>
-        </p:spPr>
-        <p:txBody>
-          <a:bodyPr wrap="square" rtlCol="0">
-            <a:spAutoFit/>
-          </a:bodyPr>
-          <a:lstStyle/>
-          <a:p>
-            <a:r>
-              <a:rPr lang="en-US" dirty="0" smtClean="0"/>
-              <a:t>If two faculties share the same office, a switch button will appears on the right. </a:t>
-            </a:r>
-            <a:r>
-              <a:rPr lang="en-US" dirty="0" err="1" smtClean="0"/>
-              <a:t>Cliking</a:t>
-            </a:r>
-            <a:r>
-              <a:rPr lang="en-US" dirty="0" smtClean="0"/>
-              <a:t> it will switch the board to show other faculty’s page.</a:t>
-            </a:r>
-            <a:endParaRPr lang="en-US" dirty="0"/>
-          </a:p>
-        </p:txBody>
-      </p:sp>
     </p:spTree>
     <p:extLst>
       <p:ext uri="{BB962C8B-B14F-4D97-AF65-F5344CB8AC3E}">
-        <p14:creationId xmlns:p14="http://schemas.microsoft.com/office/powerpoint/2010/main" val="853484286"/>
+        <p14:creationId xmlns:p14="http://schemas.microsoft.com/office/powerpoint/2010/main" val="4195282116"/>
       </p:ext>
     </p:extLst>
   </p:cSld>
@@ -3966,6 +3923,43 @@
           <a:chExt cx="0" cy="0"/>
         </a:xfrm>
       </p:grpSpPr>
+      <p:sp>
+        <p:nvSpPr>
+          <p:cNvPr id="3" name="Title 1"/>
+          <p:cNvSpPr>
+            <a:spLocks noGrp="1"/>
+          </p:cNvSpPr>
+          <p:nvPr>
+            <p:ph type="title"/>
+          </p:nvPr>
+        </p:nvSpPr>
+        <p:spPr>
+          <a:xfrm>
+            <a:off x="9534617" y="1138334"/>
+            <a:ext cx="2505607" cy="5057192"/>
+          </a:xfrm>
+        </p:spPr>
+        <p:txBody>
+          <a:bodyPr>
+            <a:normAutofit/>
+          </a:bodyPr>
+          <a:lstStyle/>
+          <a:p>
+            <a:r>
+              <a:rPr lang="en-US" sz="2400" dirty="0"/>
+              <a:t>Messages and events scheduled on the </a:t>
+            </a:r>
+            <a:r>
+              <a:rPr lang="en-US" sz="2400" dirty="0" err="1"/>
+              <a:t>doorboard</a:t>
+            </a:r>
+            <a:r>
+              <a:rPr lang="en-US" sz="2400" dirty="0"/>
+              <a:t> by students show up here. Clicking the back button allows the faculty member to return back to their previous page.</a:t>
+            </a:r>
+          </a:p>
+        </p:txBody>
+      </p:sp>
       <p:pic>
         <p:nvPicPr>
           <p:cNvPr id="4" name="Picture 3"/>
@@ -3975,13 +3969,7 @@
           <p:nvPr/>
         </p:nvPicPr>
         <p:blipFill>
-          <a:blip r:embed="rId2">
-            <a:extLst>
-              <a:ext uri="{28A0092B-C50C-407E-A947-70E740481C1C}">
-                <a14:useLocalDpi xmlns:a14="http://schemas.microsoft.com/office/drawing/2010/main" val="0"/>
-              </a:ext>
-            </a:extLst>
-          </a:blip>
+          <a:blip r:embed="rId2"/>
           <a:stretch>
             <a:fillRect/>
           </a:stretch>
@@ -3989,47 +3977,17 @@
         <p:spPr>
           <a:xfrm>
             <a:off x="0" y="0"/>
-            <a:ext cx="9164621" cy="6858000"/>
+            <a:ext cx="9061882" cy="6858000"/>
           </a:xfrm>
           <a:prstGeom prst="rect">
             <a:avLst/>
           </a:prstGeom>
         </p:spPr>
       </p:pic>
-      <p:sp>
-        <p:nvSpPr>
-          <p:cNvPr id="5" name="TextBox 4"/>
-          <p:cNvSpPr txBox="1"/>
-          <p:nvPr/>
-        </p:nvSpPr>
-        <p:spPr>
-          <a:xfrm>
-            <a:off x="9436231" y="292231"/>
-            <a:ext cx="2158738" cy="1200329"/>
-          </a:xfrm>
-          <a:prstGeom prst="rect">
-            <a:avLst/>
-          </a:prstGeom>
-          <a:noFill/>
-        </p:spPr>
-        <p:txBody>
-          <a:bodyPr wrap="square" rtlCol="0">
-            <a:spAutoFit/>
-          </a:bodyPr>
-          <a:lstStyle/>
-          <a:p>
-            <a:r>
-              <a:rPr lang="en-US" dirty="0" smtClean="0"/>
-              <a:t>You will go back to the login page if you click on the cross button.</a:t>
-            </a:r>
-            <a:endParaRPr lang="en-US" dirty="0"/>
-          </a:p>
-        </p:txBody>
-      </p:sp>
     </p:spTree>
     <p:extLst>
       <p:ext uri="{BB962C8B-B14F-4D97-AF65-F5344CB8AC3E}">
-        <p14:creationId xmlns:p14="http://schemas.microsoft.com/office/powerpoint/2010/main" val="3150684913"/>
+        <p14:creationId xmlns:p14="http://schemas.microsoft.com/office/powerpoint/2010/main" val="3276659531"/>
       </p:ext>
     </p:extLst>
   </p:cSld>
@@ -4058,7 +4016,7 @@
       </p:grpSpPr>
       <p:sp>
         <p:nvSpPr>
-          <p:cNvPr id="2" name="Title 1"/>
+          <p:cNvPr id="3" name="Title 1"/>
           <p:cNvSpPr>
             <a:spLocks noGrp="1"/>
           </p:cNvSpPr>
@@ -4068,8 +4026,8 @@
         </p:nvSpPr>
         <p:spPr>
           <a:xfrm>
-            <a:off x="9188131" y="365125"/>
-            <a:ext cx="2165669" cy="5422933"/>
+            <a:off x="9534617" y="1138334"/>
+            <a:ext cx="2505607" cy="5057192"/>
           </a:xfrm>
         </p:spPr>
         <p:txBody>
@@ -4079,16 +4037,8 @@
           <a:lstStyle/>
           <a:p>
             <a:r>
-              <a:rPr lang="en-US" sz="2400" dirty="0" smtClean="0"/>
-              <a:t>By using another username, you can see what other pages look like on other </a:t>
-            </a:r>
-            <a:r>
-              <a:rPr lang="en-US" sz="2400" dirty="0" err="1" smtClean="0"/>
-              <a:t>doorboard</a:t>
-            </a:r>
-            <a:r>
               <a:rPr lang="en-US" sz="2400" dirty="0"/>
-              <a:t>.</a:t>
+              <a:t>The “log out” button allows the faculty member to log out of their account.</a:t>
             </a:r>
           </a:p>
         </p:txBody>
@@ -4102,21 +4052,15 @@
           <p:nvPr/>
         </p:nvPicPr>
         <p:blipFill>
-          <a:blip r:embed="rId2">
-            <a:extLst>
-              <a:ext uri="{28A0092B-C50C-407E-A947-70E740481C1C}">
-                <a14:useLocalDpi xmlns:a14="http://schemas.microsoft.com/office/drawing/2010/main" val="0"/>
-              </a:ext>
-            </a:extLst>
-          </a:blip>
+          <a:blip r:embed="rId2"/>
           <a:stretch>
             <a:fillRect/>
           </a:stretch>
         </p:blipFill>
         <p:spPr>
           <a:xfrm>
-            <a:off x="0" y="0"/>
-            <a:ext cx="9188131" cy="6858000"/>
+            <a:off x="-1" y="0"/>
+            <a:ext cx="9534617" cy="6858000"/>
           </a:xfrm>
           <a:prstGeom prst="rect">
             <a:avLst/>
@@ -4126,7 +4070,7 @@
     </p:spTree>
     <p:extLst>
       <p:ext uri="{BB962C8B-B14F-4D97-AF65-F5344CB8AC3E}">
-        <p14:creationId xmlns:p14="http://schemas.microsoft.com/office/powerpoint/2010/main" val="3259813082"/>
+        <p14:creationId xmlns:p14="http://schemas.microsoft.com/office/powerpoint/2010/main" val="3500361908"/>
       </p:ext>
     </p:extLst>
   </p:cSld>
@@ -4155,7 +4099,7 @@
       </p:grpSpPr>
       <p:sp>
         <p:nvSpPr>
-          <p:cNvPr id="2" name="Title 1"/>
+          <p:cNvPr id="3" name="Title 1"/>
           <p:cNvSpPr>
             <a:spLocks noGrp="1"/>
           </p:cNvSpPr>
@@ -4165,40 +4109,33 @@
         </p:nvSpPr>
         <p:spPr>
           <a:xfrm>
-            <a:off x="9417377" y="1882840"/>
-            <a:ext cx="1926996" cy="3820376"/>
+            <a:off x="9534617" y="1138334"/>
+            <a:ext cx="2505607" cy="5057192"/>
           </a:xfrm>
         </p:spPr>
         <p:txBody>
           <a:bodyPr>
-            <a:noAutofit/>
+            <a:normAutofit/>
           </a:bodyPr>
           <a:lstStyle/>
           <a:p>
             <a:r>
-              <a:rPr lang="en-US" sz="2400" dirty="0" smtClean="0"/>
-              <a:t>If there’s only one person owns the office, such button will not be shown.</a:t>
-            </a:r>
-            <a:endParaRPr lang="en-US" sz="2400" dirty="0"/>
+              <a:rPr lang="en-US" sz="2400" dirty="0"/>
+              <a:t>The “Reset” button allows the faculty member to reset any changes they made to their door board back to their initial values.  </a:t>
+            </a:r>
           </a:p>
         </p:txBody>
       </p:sp>
       <p:pic>
         <p:nvPicPr>
-          <p:cNvPr id="5" name="Picture 4"/>
+          <p:cNvPr id="4" name="Picture 3"/>
           <p:cNvPicPr>
             <a:picLocks noChangeAspect="1"/>
           </p:cNvPicPr>
           <p:nvPr/>
         </p:nvPicPr>
         <p:blipFill>
-          <a:blip r:embed="rId2">
-            <a:extLst>
-              <a:ext uri="{28A0092B-C50C-407E-A947-70E740481C1C}">
-                <a14:useLocalDpi xmlns:a14="http://schemas.microsoft.com/office/drawing/2010/main" val="0"/>
-              </a:ext>
-            </a:extLst>
-          </a:blip>
+          <a:blip r:embed="rId2"/>
           <a:stretch>
             <a:fillRect/>
           </a:stretch>
@@ -4206,63 +4143,17 @@
         <p:spPr>
           <a:xfrm>
             <a:off x="0" y="0"/>
-            <a:ext cx="9155784" cy="6858000"/>
+            <a:ext cx="9534617" cy="6858000"/>
           </a:xfrm>
           <a:prstGeom prst="rect">
             <a:avLst/>
           </a:prstGeom>
         </p:spPr>
       </p:pic>
-      <p:sp>
-        <p:nvSpPr>
-          <p:cNvPr id="6" name="Oval 5"/>
-          <p:cNvSpPr/>
-          <p:nvPr/>
-        </p:nvSpPr>
-        <p:spPr>
-          <a:xfrm>
-            <a:off x="7937370" y="3297025"/>
-            <a:ext cx="1095866" cy="1265548"/>
-          </a:xfrm>
-          <a:prstGeom prst="ellipse">
-            <a:avLst/>
-          </a:prstGeom>
-          <a:noFill/>
-          <a:ln>
-            <a:solidFill>
-              <a:srgbClr val="FF0000"/>
-            </a:solidFill>
-          </a:ln>
-        </p:spPr>
-        <p:style>
-          <a:lnRef idx="2">
-            <a:schemeClr val="accent1">
-              <a:shade val="50000"/>
-            </a:schemeClr>
-          </a:lnRef>
-          <a:fillRef idx="1">
-            <a:schemeClr val="accent1"/>
-          </a:fillRef>
-          <a:effectRef idx="0">
-            <a:schemeClr val="accent1"/>
-          </a:effectRef>
-          <a:fontRef idx="minor">
-            <a:schemeClr val="lt1"/>
-          </a:fontRef>
-        </p:style>
-        <p:txBody>
-          <a:bodyPr rtlCol="0" anchor="ctr"/>
-          <a:lstStyle/>
-          <a:p>
-            <a:pPr algn="ctr"/>
-            <a:endParaRPr lang="en-US"/>
-          </a:p>
-        </p:txBody>
-      </p:sp>
     </p:spTree>
     <p:extLst>
       <p:ext uri="{BB962C8B-B14F-4D97-AF65-F5344CB8AC3E}">
-        <p14:creationId xmlns:p14="http://schemas.microsoft.com/office/powerpoint/2010/main" val="2967035193"/>
+        <p14:creationId xmlns:p14="http://schemas.microsoft.com/office/powerpoint/2010/main" val="2870863666"/>
       </p:ext>
     </p:extLst>
   </p:cSld>
@@ -4305,10 +4196,9 @@
           <a:lstStyle/>
           <a:p>
             <a:r>
-              <a:rPr lang="en-US" dirty="0" smtClean="0"/>
+              <a:rPr lang="en-US" dirty="0"/>
               <a:t>Getting started</a:t>
             </a:r>
-            <a:endParaRPr lang="en-US" dirty="0"/>
           </a:p>
         </p:txBody>
       </p:sp>
@@ -4365,10 +4255,9 @@
           <a:lstStyle/>
           <a:p>
             <a:r>
-              <a:rPr lang="en-US" dirty="0" smtClean="0"/>
+              <a:rPr lang="en-US" dirty="0"/>
               <a:t>After downloading the package, you will be able to see these files.</a:t>
             </a:r>
-            <a:endParaRPr lang="en-US" dirty="0"/>
           </a:p>
         </p:txBody>
       </p:sp>
@@ -4381,7 +4270,7 @@
         <p:spPr>
           <a:xfrm>
             <a:off x="7447175" y="843240"/>
-            <a:ext cx="2969444" cy="369332"/>
+            <a:ext cx="2969444" cy="646331"/>
           </a:xfrm>
           <a:prstGeom prst="rect">
             <a:avLst/>
@@ -4395,11 +4284,11 @@
           <a:lstStyle/>
           <a:p>
             <a:r>
-              <a:rPr lang="en-US" dirty="0" smtClean="0"/>
-              <a:t>Main interface for </a:t>
-            </a:r>
-            <a:r>
-              <a:rPr lang="en-US" dirty="0" err="1" smtClean="0"/>
+              <a:rPr lang="en-US" dirty="0"/>
+              <a:t>Main interface for physical </a:t>
+            </a:r>
+            <a:r>
+              <a:rPr lang="en-US" dirty="0" err="1"/>
               <a:t>doorboard</a:t>
             </a:r>
             <a:endParaRPr lang="en-US" dirty="0"/>
@@ -4415,7 +4304,7 @@
         <p:spPr>
           <a:xfrm>
             <a:off x="7536731" y="3978111"/>
-            <a:ext cx="2790333" cy="1754326"/>
+            <a:ext cx="2790333" cy="1477328"/>
           </a:xfrm>
           <a:prstGeom prst="rect">
             <a:avLst/>
@@ -4429,18 +4318,9 @@
           <a:lstStyle/>
           <a:p>
             <a:r>
-              <a:rPr lang="en-US" dirty="0" smtClean="0"/>
-              <a:t>Main interface for client, which owner of the </a:t>
-            </a:r>
-            <a:r>
-              <a:rPr lang="en-US" dirty="0" err="1" smtClean="0"/>
-              <a:t>doorboard</a:t>
-            </a:r>
-            <a:r>
-              <a:rPr lang="en-US" dirty="0" smtClean="0"/>
-              <a:t> can use to configure his board and receive notification and messages.</a:t>
-            </a:r>
-            <a:endParaRPr lang="en-US" dirty="0"/>
+              <a:rPr lang="en-US" dirty="0"/>
+              <a:t>Main interface for client, which owner of the door board can use to configure his board and receive notification and messages.</a:t>
+            </a:r>
           </a:p>
         </p:txBody>
       </p:sp>
@@ -4453,9 +4333,9 @@
           <p:nvPr/>
         </p:nvCxnSpPr>
         <p:spPr>
-          <a:xfrm flipH="1">
-            <a:off x="6096000" y="1027906"/>
-            <a:ext cx="1351175" cy="93884"/>
+          <a:xfrm flipH="1" flipV="1">
+            <a:off x="6096001" y="1121790"/>
+            <a:ext cx="1351174" cy="44616"/>
           </a:xfrm>
           <a:prstGeom prst="straightConnector1">
             <a:avLst/>
@@ -4560,116 +4440,25 @@
         </p:nvSpPr>
         <p:spPr>
           <a:xfrm>
-            <a:off x="9275976" y="959014"/>
-            <a:ext cx="2492604" cy="4385984"/>
-          </a:xfrm>
-        </p:spPr>
-        <p:txBody>
-          <a:bodyPr>
-            <a:noAutofit/>
-          </a:bodyPr>
-          <a:lstStyle/>
-          <a:p>
-            <a:r>
-              <a:rPr lang="en-US" sz="2400" dirty="0" smtClean="0"/>
-              <a:t>The “create message” button enables visitors to send a quick message to the owner of the </a:t>
-            </a:r>
-            <a:r>
-              <a:rPr lang="en-US" sz="2400" dirty="0" err="1" smtClean="0"/>
-              <a:t>doorboard</a:t>
-            </a:r>
-            <a:r>
-              <a:rPr lang="en-US" sz="2400" dirty="0"/>
-              <a:t>.</a:t>
-            </a:r>
-            <a:r>
-              <a:rPr lang="en-US" sz="2400" dirty="0" smtClean="0"/>
-              <a:t> </a:t>
-            </a:r>
-            <a:endParaRPr lang="en-US" sz="2400" dirty="0"/>
-          </a:p>
-        </p:txBody>
-      </p:sp>
-      <p:pic>
-        <p:nvPicPr>
-          <p:cNvPr id="4" name="Picture 3"/>
-          <p:cNvPicPr>
-            <a:picLocks noChangeAspect="1"/>
-          </p:cNvPicPr>
-          <p:nvPr/>
-        </p:nvPicPr>
-        <p:blipFill>
-          <a:blip r:embed="rId2">
-            <a:extLst>
-              <a:ext uri="{28A0092B-C50C-407E-A947-70E740481C1C}">
-                <a14:useLocalDpi xmlns:a14="http://schemas.microsoft.com/office/drawing/2010/main" val="0"/>
-              </a:ext>
-            </a:extLst>
-          </a:blip>
-          <a:stretch>
-            <a:fillRect/>
-          </a:stretch>
-        </p:blipFill>
-        <p:spPr>
-          <a:xfrm>
-            <a:off x="0" y="0"/>
-            <a:ext cx="9155784" cy="6858000"/>
-          </a:xfrm>
-          <a:prstGeom prst="rect">
-            <a:avLst/>
-          </a:prstGeom>
-        </p:spPr>
-      </p:pic>
-      <p:sp>
-        <p:nvSpPr>
-          <p:cNvPr id="5" name="Oval 4"/>
-          <p:cNvSpPr/>
-          <p:nvPr/>
-        </p:nvSpPr>
-        <p:spPr>
-          <a:xfrm>
-            <a:off x="5920033" y="3429000"/>
-            <a:ext cx="2234153" cy="945037"/>
-          </a:xfrm>
-          <a:prstGeom prst="ellipse">
-            <a:avLst/>
-          </a:prstGeom>
-          <a:noFill/>
-          <a:ln>
-            <a:solidFill>
-              <a:srgbClr val="FF0000"/>
-            </a:solidFill>
-          </a:ln>
-        </p:spPr>
-        <p:style>
-          <a:lnRef idx="2">
-            <a:schemeClr val="accent1">
-              <a:shade val="50000"/>
-            </a:schemeClr>
-          </a:lnRef>
-          <a:fillRef idx="1">
-            <a:schemeClr val="accent1"/>
-          </a:fillRef>
-          <a:effectRef idx="0">
-            <a:schemeClr val="accent1"/>
-          </a:effectRef>
-          <a:fontRef idx="minor">
-            <a:schemeClr val="lt1"/>
-          </a:fontRef>
-        </p:style>
-        <p:txBody>
-          <a:bodyPr rtlCol="0" anchor="ctr"/>
-          <a:lstStyle/>
-          <a:p>
-            <a:pPr algn="ctr"/>
-            <a:endParaRPr lang="en-US"/>
+            <a:off x="1264920" y="2671445"/>
+            <a:ext cx="10515600" cy="1325563"/>
+          </a:xfrm>
+        </p:spPr>
+        <p:txBody>
+          <a:bodyPr/>
+          <a:lstStyle/>
+          <a:p>
+            <a:r>
+              <a:rPr lang="en-US" dirty="0"/>
+              <a:t>Visitor view and usage of the door board.</a:t>
+            </a:r>
           </a:p>
         </p:txBody>
       </p:sp>
     </p:spTree>
     <p:extLst>
       <p:ext uri="{BB962C8B-B14F-4D97-AF65-F5344CB8AC3E}">
-        <p14:creationId xmlns:p14="http://schemas.microsoft.com/office/powerpoint/2010/main" val="1837451415"/>
+        <p14:creationId xmlns:p14="http://schemas.microsoft.com/office/powerpoint/2010/main" val="3980671252"/>
       </p:ext>
     </p:extLst>
   </p:cSld>
@@ -4696,36 +4485,6 @@
           <a:chExt cx="0" cy="0"/>
         </a:xfrm>
       </p:grpSpPr>
-      <p:sp>
-        <p:nvSpPr>
-          <p:cNvPr id="2" name="Title 1"/>
-          <p:cNvSpPr>
-            <a:spLocks noGrp="1"/>
-          </p:cNvSpPr>
-          <p:nvPr>
-            <p:ph type="title"/>
-          </p:nvPr>
-        </p:nvSpPr>
-        <p:spPr>
-          <a:xfrm>
-            <a:off x="9219414" y="365125"/>
-            <a:ext cx="2134386" cy="4810190"/>
-          </a:xfrm>
-        </p:spPr>
-        <p:txBody>
-          <a:bodyPr>
-            <a:noAutofit/>
-          </a:bodyPr>
-          <a:lstStyle/>
-          <a:p>
-            <a:r>
-              <a:rPr lang="en-US" sz="2400" dirty="0" smtClean="0"/>
-              <a:t>Click on button, the interface where you can create the message by either picking phases or typing directly on the text area will show up.</a:t>
-            </a:r>
-            <a:endParaRPr lang="en-US" sz="2400" dirty="0"/>
-          </a:p>
-        </p:txBody>
-      </p:sp>
       <p:pic>
         <p:nvPicPr>
           <p:cNvPr id="4" name="Picture 3"/>
@@ -4749,17 +4508,46 @@
         <p:spPr>
           <a:xfrm>
             <a:off x="0" y="0"/>
-            <a:ext cx="9146935" cy="6858000"/>
+            <a:ext cx="9144000" cy="6858000"/>
           </a:xfrm>
           <a:prstGeom prst="rect">
             <a:avLst/>
           </a:prstGeom>
         </p:spPr>
       </p:pic>
+      <p:sp>
+        <p:nvSpPr>
+          <p:cNvPr id="2" name="Title 1"/>
+          <p:cNvSpPr>
+            <a:spLocks noGrp="1"/>
+          </p:cNvSpPr>
+          <p:nvPr>
+            <p:ph type="title"/>
+          </p:nvPr>
+        </p:nvSpPr>
+        <p:spPr>
+          <a:xfrm>
+            <a:off x="9144000" y="1206631"/>
+            <a:ext cx="2596299" cy="3964809"/>
+          </a:xfrm>
+        </p:spPr>
+        <p:txBody>
+          <a:bodyPr>
+            <a:normAutofit fontScale="90000"/>
+          </a:bodyPr>
+          <a:lstStyle/>
+          <a:p>
+            <a:r>
+              <a:rPr lang="en-US" sz="2400" dirty="0"/>
+              <a:t>Going to board html allows the faculty member to physically set up the door board. Opening up with one of these three usernames will show corresponding display on the door board. This door board is what the visitor will see.</a:t>
+            </a:r>
+          </a:p>
+        </p:txBody>
+      </p:sp>
     </p:spTree>
     <p:extLst>
       <p:ext uri="{BB962C8B-B14F-4D97-AF65-F5344CB8AC3E}">
-        <p14:creationId xmlns:p14="http://schemas.microsoft.com/office/powerpoint/2010/main" val="3882870435"/>
+        <p14:creationId xmlns:p14="http://schemas.microsoft.com/office/powerpoint/2010/main" val="110874302"/>
       </p:ext>
     </p:extLst>
   </p:cSld>
@@ -4809,7 +4597,7 @@
         <p:spPr>
           <a:xfrm>
             <a:off x="0" y="0"/>
-            <a:ext cx="9182445" cy="6858000"/>
+            <a:ext cx="9152826" cy="6858000"/>
           </a:xfrm>
           <a:prstGeom prst="rect">
             <a:avLst/>
@@ -4828,21 +4616,20 @@
         </p:nvSpPr>
         <p:spPr>
           <a:xfrm>
-            <a:off x="9418114" y="176589"/>
-            <a:ext cx="2171355" cy="1325563"/>
+            <a:off x="9350788" y="591368"/>
+            <a:ext cx="2559193" cy="1325563"/>
           </a:xfrm>
         </p:spPr>
         <p:txBody>
           <a:bodyPr>
-            <a:normAutofit fontScale="90000"/>
+            <a:normAutofit/>
           </a:bodyPr>
           <a:lstStyle/>
           <a:p>
             <a:r>
-              <a:rPr lang="en-US" sz="2400" dirty="0" smtClean="0"/>
-              <a:t>You can go back by click the cross on top right of the screen.</a:t>
-            </a:r>
-            <a:endParaRPr lang="en-US" sz="2400" dirty="0"/>
+              <a:rPr lang="en-US" sz="2400" dirty="0"/>
+              <a:t>This is what the page looks like on the door board.</a:t>
+            </a:r>
           </a:p>
         </p:txBody>
       </p:sp>
@@ -4854,8 +4641,8 @@
         </p:nvSpPr>
         <p:spPr>
           <a:xfrm>
-            <a:off x="848412" y="5533535"/>
-            <a:ext cx="2149312" cy="1200329"/>
+            <a:off x="9455085" y="3082565"/>
+            <a:ext cx="2526383" cy="2031325"/>
           </a:xfrm>
           <a:prstGeom prst="rect">
             <a:avLst/>
@@ -4869,23 +4656,82 @@
           <a:lstStyle/>
           <a:p>
             <a:r>
-              <a:rPr lang="en-US" dirty="0" smtClean="0"/>
-              <a:t>Click on the reset button will clear everything in the text area above.</a:t>
-            </a:r>
-            <a:endParaRPr lang="en-US" dirty="0"/>
-          </a:p>
-        </p:txBody>
-      </p:sp>
-      <p:sp>
-        <p:nvSpPr>
-          <p:cNvPr id="6" name="TextBox 5"/>
+              <a:rPr lang="en-US" dirty="0"/>
+              <a:t>If two faculties share the same office, a switch button will appears on the right. Clicking it will switch the board to show other faculty’s page.</a:t>
+            </a:r>
+          </a:p>
+        </p:txBody>
+      </p:sp>
+    </p:spTree>
+    <p:extLst>
+      <p:ext uri="{BB962C8B-B14F-4D97-AF65-F5344CB8AC3E}">
+        <p14:creationId xmlns:p14="http://schemas.microsoft.com/office/powerpoint/2010/main" val="853484286"/>
+      </p:ext>
+    </p:extLst>
+  </p:cSld>
+  <p:clrMapOvr>
+    <a:masterClrMapping/>
+  </p:clrMapOvr>
+</p:sld>
+</file>
+
+<file path=ppt/slides/slide23.xml><?xml version="1.0" encoding="utf-8"?>
+<p:sld xmlns:a="http://schemas.openxmlformats.org/drawingml/2006/main" xmlns:r="http://schemas.openxmlformats.org/officeDocument/2006/relationships" xmlns:p="http://schemas.openxmlformats.org/presentationml/2006/main">
+  <p:cSld>
+    <p:spTree>
+      <p:nvGrpSpPr>
+        <p:cNvPr id="1" name=""/>
+        <p:cNvGrpSpPr/>
+        <p:nvPr/>
+      </p:nvGrpSpPr>
+      <p:grpSpPr>
+        <a:xfrm>
+          <a:off x="0" y="0"/>
+          <a:ext cx="0" cy="0"/>
+          <a:chOff x="0" y="0"/>
+          <a:chExt cx="0" cy="0"/>
+        </a:xfrm>
+      </p:grpSpPr>
+      <p:pic>
+        <p:nvPicPr>
+          <p:cNvPr id="4" name="Picture 3"/>
+          <p:cNvPicPr>
+            <a:picLocks noChangeAspect="1"/>
+          </p:cNvPicPr>
+          <p:nvPr/>
+        </p:nvPicPr>
+        <p:blipFill>
+          <a:blip r:embed="rId2">
+            <a:extLst>
+              <a:ext uri="{28A0092B-C50C-407E-A947-70E740481C1C}">
+                <a14:useLocalDpi xmlns:a14="http://schemas.microsoft.com/office/drawing/2010/main" val="0"/>
+              </a:ext>
+            </a:extLst>
+          </a:blip>
+          <a:stretch>
+            <a:fillRect/>
+          </a:stretch>
+        </p:blipFill>
+        <p:spPr>
+          <a:xfrm>
+            <a:off x="0" y="0"/>
+            <a:ext cx="9164621" cy="6858000"/>
+          </a:xfrm>
+          <a:prstGeom prst="rect">
+            <a:avLst/>
+          </a:prstGeom>
+        </p:spPr>
+      </p:pic>
+      <p:sp>
+        <p:nvSpPr>
+          <p:cNvPr id="5" name="TextBox 4"/>
           <p:cNvSpPr txBox="1"/>
           <p:nvPr/>
         </p:nvSpPr>
         <p:spPr>
           <a:xfrm>
-            <a:off x="9341963" y="5307290"/>
-            <a:ext cx="2021263" cy="1200329"/>
+            <a:off x="9436231" y="292231"/>
+            <a:ext cx="2158738" cy="1477328"/>
           </a:xfrm>
           <a:prstGeom prst="rect">
             <a:avLst/>
@@ -4899,10 +4745,620 @@
           <a:lstStyle/>
           <a:p>
             <a:r>
-              <a:rPr lang="en-US" dirty="0" smtClean="0"/>
+              <a:rPr lang="en-US" dirty="0"/>
+              <a:t>You will go back to the login page if you click on the x button. WHY IS THIS A FEATURE???</a:t>
+            </a:r>
+          </a:p>
+        </p:txBody>
+      </p:sp>
+    </p:spTree>
+    <p:extLst>
+      <p:ext uri="{BB962C8B-B14F-4D97-AF65-F5344CB8AC3E}">
+        <p14:creationId xmlns:p14="http://schemas.microsoft.com/office/powerpoint/2010/main" val="3150684913"/>
+      </p:ext>
+    </p:extLst>
+  </p:cSld>
+  <p:clrMapOvr>
+    <a:masterClrMapping/>
+  </p:clrMapOvr>
+</p:sld>
+</file>
+
+<file path=ppt/slides/slide24.xml><?xml version="1.0" encoding="utf-8"?>
+<p:sld xmlns:a="http://schemas.openxmlformats.org/drawingml/2006/main" xmlns:r="http://schemas.openxmlformats.org/officeDocument/2006/relationships" xmlns:p="http://schemas.openxmlformats.org/presentationml/2006/main">
+  <p:cSld>
+    <p:spTree>
+      <p:nvGrpSpPr>
+        <p:cNvPr id="1" name=""/>
+        <p:cNvGrpSpPr/>
+        <p:nvPr/>
+      </p:nvGrpSpPr>
+      <p:grpSpPr>
+        <a:xfrm>
+          <a:off x="0" y="0"/>
+          <a:ext cx="0" cy="0"/>
+          <a:chOff x="0" y="0"/>
+          <a:chExt cx="0" cy="0"/>
+        </a:xfrm>
+      </p:grpSpPr>
+      <p:sp>
+        <p:nvSpPr>
+          <p:cNvPr id="2" name="Title 1"/>
+          <p:cNvSpPr>
+            <a:spLocks noGrp="1"/>
+          </p:cNvSpPr>
+          <p:nvPr>
+            <p:ph type="title"/>
+          </p:nvPr>
+        </p:nvSpPr>
+        <p:spPr>
+          <a:xfrm>
+            <a:off x="9188131" y="365125"/>
+            <a:ext cx="2165669" cy="5422933"/>
+          </a:xfrm>
+        </p:spPr>
+        <p:txBody>
+          <a:bodyPr>
+            <a:normAutofit/>
+          </a:bodyPr>
+          <a:lstStyle/>
+          <a:p>
+            <a:r>
+              <a:rPr lang="en-US" sz="2400" dirty="0"/>
+              <a:t>By using another username, you can see what other pages look like on other </a:t>
+            </a:r>
+            <a:r>
+              <a:rPr lang="en-US" sz="2400" dirty="0" err="1"/>
+              <a:t>doorboard</a:t>
+            </a:r>
+            <a:r>
+              <a:rPr lang="en-US" sz="2400" dirty="0"/>
+              <a:t>.</a:t>
+            </a:r>
+          </a:p>
+        </p:txBody>
+      </p:sp>
+      <p:pic>
+        <p:nvPicPr>
+          <p:cNvPr id="4" name="Picture 3"/>
+          <p:cNvPicPr>
+            <a:picLocks noChangeAspect="1"/>
+          </p:cNvPicPr>
+          <p:nvPr/>
+        </p:nvPicPr>
+        <p:blipFill>
+          <a:blip r:embed="rId2">
+            <a:extLst>
+              <a:ext uri="{28A0092B-C50C-407E-A947-70E740481C1C}">
+                <a14:useLocalDpi xmlns:a14="http://schemas.microsoft.com/office/drawing/2010/main" val="0"/>
+              </a:ext>
+            </a:extLst>
+          </a:blip>
+          <a:stretch>
+            <a:fillRect/>
+          </a:stretch>
+        </p:blipFill>
+        <p:spPr>
+          <a:xfrm>
+            <a:off x="0" y="0"/>
+            <a:ext cx="9188131" cy="6858000"/>
+          </a:xfrm>
+          <a:prstGeom prst="rect">
+            <a:avLst/>
+          </a:prstGeom>
+        </p:spPr>
+      </p:pic>
+    </p:spTree>
+    <p:extLst>
+      <p:ext uri="{BB962C8B-B14F-4D97-AF65-F5344CB8AC3E}">
+        <p14:creationId xmlns:p14="http://schemas.microsoft.com/office/powerpoint/2010/main" val="3259813082"/>
+      </p:ext>
+    </p:extLst>
+  </p:cSld>
+  <p:clrMapOvr>
+    <a:masterClrMapping/>
+  </p:clrMapOvr>
+</p:sld>
+</file>
+
+<file path=ppt/slides/slide25.xml><?xml version="1.0" encoding="utf-8"?>
+<p:sld xmlns:a="http://schemas.openxmlformats.org/drawingml/2006/main" xmlns:r="http://schemas.openxmlformats.org/officeDocument/2006/relationships" xmlns:p="http://schemas.openxmlformats.org/presentationml/2006/main">
+  <p:cSld>
+    <p:spTree>
+      <p:nvGrpSpPr>
+        <p:cNvPr id="1" name=""/>
+        <p:cNvGrpSpPr/>
+        <p:nvPr/>
+      </p:nvGrpSpPr>
+      <p:grpSpPr>
+        <a:xfrm>
+          <a:off x="0" y="0"/>
+          <a:ext cx="0" cy="0"/>
+          <a:chOff x="0" y="0"/>
+          <a:chExt cx="0" cy="0"/>
+        </a:xfrm>
+      </p:grpSpPr>
+      <p:sp>
+        <p:nvSpPr>
+          <p:cNvPr id="2" name="Title 1"/>
+          <p:cNvSpPr>
+            <a:spLocks noGrp="1"/>
+          </p:cNvSpPr>
+          <p:nvPr>
+            <p:ph type="title"/>
+          </p:nvPr>
+        </p:nvSpPr>
+        <p:spPr>
+          <a:xfrm>
+            <a:off x="9417377" y="1882840"/>
+            <a:ext cx="1926996" cy="3820376"/>
+          </a:xfrm>
+        </p:spPr>
+        <p:txBody>
+          <a:bodyPr>
+            <a:noAutofit/>
+          </a:bodyPr>
+          <a:lstStyle/>
+          <a:p>
+            <a:r>
+              <a:rPr lang="en-US" sz="2400" dirty="0"/>
+              <a:t>If there’s only one person owns the office, such button will not be shown.</a:t>
+            </a:r>
+          </a:p>
+        </p:txBody>
+      </p:sp>
+      <p:pic>
+        <p:nvPicPr>
+          <p:cNvPr id="5" name="Picture 4"/>
+          <p:cNvPicPr>
+            <a:picLocks noChangeAspect="1"/>
+          </p:cNvPicPr>
+          <p:nvPr/>
+        </p:nvPicPr>
+        <p:blipFill>
+          <a:blip r:embed="rId2">
+            <a:extLst>
+              <a:ext uri="{28A0092B-C50C-407E-A947-70E740481C1C}">
+                <a14:useLocalDpi xmlns:a14="http://schemas.microsoft.com/office/drawing/2010/main" val="0"/>
+              </a:ext>
+            </a:extLst>
+          </a:blip>
+          <a:stretch>
+            <a:fillRect/>
+          </a:stretch>
+        </p:blipFill>
+        <p:spPr>
+          <a:xfrm>
+            <a:off x="0" y="0"/>
+            <a:ext cx="9155784" cy="6858000"/>
+          </a:xfrm>
+          <a:prstGeom prst="rect">
+            <a:avLst/>
+          </a:prstGeom>
+        </p:spPr>
+      </p:pic>
+      <p:sp>
+        <p:nvSpPr>
+          <p:cNvPr id="6" name="Oval 5"/>
+          <p:cNvSpPr/>
+          <p:nvPr/>
+        </p:nvSpPr>
+        <p:spPr>
+          <a:xfrm>
+            <a:off x="7937370" y="3297025"/>
+            <a:ext cx="1095866" cy="1265548"/>
+          </a:xfrm>
+          <a:prstGeom prst="ellipse">
+            <a:avLst/>
+          </a:prstGeom>
+          <a:noFill/>
+          <a:ln>
+            <a:solidFill>
+              <a:srgbClr val="FF0000"/>
+            </a:solidFill>
+          </a:ln>
+        </p:spPr>
+        <p:style>
+          <a:lnRef idx="2">
+            <a:schemeClr val="accent1">
+              <a:shade val="50000"/>
+            </a:schemeClr>
+          </a:lnRef>
+          <a:fillRef idx="1">
+            <a:schemeClr val="accent1"/>
+          </a:fillRef>
+          <a:effectRef idx="0">
+            <a:schemeClr val="accent1"/>
+          </a:effectRef>
+          <a:fontRef idx="minor">
+            <a:schemeClr val="lt1"/>
+          </a:fontRef>
+        </p:style>
+        <p:txBody>
+          <a:bodyPr rtlCol="0" anchor="ctr"/>
+          <a:lstStyle/>
+          <a:p>
+            <a:pPr algn="ctr"/>
+            <a:endParaRPr lang="en-US"/>
+          </a:p>
+        </p:txBody>
+      </p:sp>
+    </p:spTree>
+    <p:extLst>
+      <p:ext uri="{BB962C8B-B14F-4D97-AF65-F5344CB8AC3E}">
+        <p14:creationId xmlns:p14="http://schemas.microsoft.com/office/powerpoint/2010/main" val="2967035193"/>
+      </p:ext>
+    </p:extLst>
+  </p:cSld>
+  <p:clrMapOvr>
+    <a:masterClrMapping/>
+  </p:clrMapOvr>
+</p:sld>
+</file>
+
+<file path=ppt/slides/slide26.xml><?xml version="1.0" encoding="utf-8"?>
+<p:sld xmlns:a="http://schemas.openxmlformats.org/drawingml/2006/main" xmlns:r="http://schemas.openxmlformats.org/officeDocument/2006/relationships" xmlns:p="http://schemas.openxmlformats.org/presentationml/2006/main">
+  <p:cSld>
+    <p:spTree>
+      <p:nvGrpSpPr>
+        <p:cNvPr id="1" name=""/>
+        <p:cNvGrpSpPr/>
+        <p:nvPr/>
+      </p:nvGrpSpPr>
+      <p:grpSpPr>
+        <a:xfrm>
+          <a:off x="0" y="0"/>
+          <a:ext cx="0" cy="0"/>
+          <a:chOff x="0" y="0"/>
+          <a:chExt cx="0" cy="0"/>
+        </a:xfrm>
+      </p:grpSpPr>
+      <p:sp>
+        <p:nvSpPr>
+          <p:cNvPr id="2" name="Title 1"/>
+          <p:cNvSpPr>
+            <a:spLocks noGrp="1"/>
+          </p:cNvSpPr>
+          <p:nvPr>
+            <p:ph type="title"/>
+          </p:nvPr>
+        </p:nvSpPr>
+        <p:spPr>
+          <a:xfrm>
+            <a:off x="9275976" y="959014"/>
+            <a:ext cx="2492604" cy="4385984"/>
+          </a:xfrm>
+        </p:spPr>
+        <p:txBody>
+          <a:bodyPr>
+            <a:noAutofit/>
+          </a:bodyPr>
+          <a:lstStyle/>
+          <a:p>
+            <a:r>
+              <a:rPr lang="en-US" sz="2400" dirty="0"/>
+              <a:t>The “create message” button enables visitors to send a quick message to the owner of the </a:t>
+            </a:r>
+            <a:r>
+              <a:rPr lang="en-US" sz="2400" dirty="0" err="1"/>
+              <a:t>doorboard</a:t>
+            </a:r>
+            <a:r>
+              <a:rPr lang="en-US" sz="2400" dirty="0"/>
+              <a:t>. </a:t>
+            </a:r>
+          </a:p>
+        </p:txBody>
+      </p:sp>
+      <p:pic>
+        <p:nvPicPr>
+          <p:cNvPr id="4" name="Picture 3"/>
+          <p:cNvPicPr>
+            <a:picLocks noChangeAspect="1"/>
+          </p:cNvPicPr>
+          <p:nvPr/>
+        </p:nvPicPr>
+        <p:blipFill>
+          <a:blip r:embed="rId2">
+            <a:extLst>
+              <a:ext uri="{28A0092B-C50C-407E-A947-70E740481C1C}">
+                <a14:useLocalDpi xmlns:a14="http://schemas.microsoft.com/office/drawing/2010/main" val="0"/>
+              </a:ext>
+            </a:extLst>
+          </a:blip>
+          <a:stretch>
+            <a:fillRect/>
+          </a:stretch>
+        </p:blipFill>
+        <p:spPr>
+          <a:xfrm>
+            <a:off x="0" y="0"/>
+            <a:ext cx="9155784" cy="6858000"/>
+          </a:xfrm>
+          <a:prstGeom prst="rect">
+            <a:avLst/>
+          </a:prstGeom>
+        </p:spPr>
+      </p:pic>
+      <p:sp>
+        <p:nvSpPr>
+          <p:cNvPr id="5" name="Oval 4"/>
+          <p:cNvSpPr/>
+          <p:nvPr/>
+        </p:nvSpPr>
+        <p:spPr>
+          <a:xfrm>
+            <a:off x="5920033" y="3429000"/>
+            <a:ext cx="2234153" cy="945037"/>
+          </a:xfrm>
+          <a:prstGeom prst="ellipse">
+            <a:avLst/>
+          </a:prstGeom>
+          <a:noFill/>
+          <a:ln>
+            <a:solidFill>
+              <a:srgbClr val="FF0000"/>
+            </a:solidFill>
+          </a:ln>
+        </p:spPr>
+        <p:style>
+          <a:lnRef idx="2">
+            <a:schemeClr val="accent1">
+              <a:shade val="50000"/>
+            </a:schemeClr>
+          </a:lnRef>
+          <a:fillRef idx="1">
+            <a:schemeClr val="accent1"/>
+          </a:fillRef>
+          <a:effectRef idx="0">
+            <a:schemeClr val="accent1"/>
+          </a:effectRef>
+          <a:fontRef idx="minor">
+            <a:schemeClr val="lt1"/>
+          </a:fontRef>
+        </p:style>
+        <p:txBody>
+          <a:bodyPr rtlCol="0" anchor="ctr"/>
+          <a:lstStyle/>
+          <a:p>
+            <a:pPr algn="ctr"/>
+            <a:endParaRPr lang="en-US"/>
+          </a:p>
+        </p:txBody>
+      </p:sp>
+    </p:spTree>
+    <p:extLst>
+      <p:ext uri="{BB962C8B-B14F-4D97-AF65-F5344CB8AC3E}">
+        <p14:creationId xmlns:p14="http://schemas.microsoft.com/office/powerpoint/2010/main" val="1837451415"/>
+      </p:ext>
+    </p:extLst>
+  </p:cSld>
+  <p:clrMapOvr>
+    <a:masterClrMapping/>
+  </p:clrMapOvr>
+</p:sld>
+</file>
+
+<file path=ppt/slides/slide27.xml><?xml version="1.0" encoding="utf-8"?>
+<p:sld xmlns:a="http://schemas.openxmlformats.org/drawingml/2006/main" xmlns:r="http://schemas.openxmlformats.org/officeDocument/2006/relationships" xmlns:p="http://schemas.openxmlformats.org/presentationml/2006/main">
+  <p:cSld>
+    <p:spTree>
+      <p:nvGrpSpPr>
+        <p:cNvPr id="1" name=""/>
+        <p:cNvGrpSpPr/>
+        <p:nvPr/>
+      </p:nvGrpSpPr>
+      <p:grpSpPr>
+        <a:xfrm>
+          <a:off x="0" y="0"/>
+          <a:ext cx="0" cy="0"/>
+          <a:chOff x="0" y="0"/>
+          <a:chExt cx="0" cy="0"/>
+        </a:xfrm>
+      </p:grpSpPr>
+      <p:sp>
+        <p:nvSpPr>
+          <p:cNvPr id="2" name="Title 1"/>
+          <p:cNvSpPr>
+            <a:spLocks noGrp="1"/>
+          </p:cNvSpPr>
+          <p:nvPr>
+            <p:ph type="title"/>
+          </p:nvPr>
+        </p:nvSpPr>
+        <p:spPr>
+          <a:xfrm>
+            <a:off x="9219414" y="365125"/>
+            <a:ext cx="2134386" cy="4810190"/>
+          </a:xfrm>
+        </p:spPr>
+        <p:txBody>
+          <a:bodyPr>
+            <a:noAutofit/>
+          </a:bodyPr>
+          <a:lstStyle/>
+          <a:p>
+            <a:r>
+              <a:rPr lang="en-US" sz="2400" dirty="0"/>
+              <a:t>Click on button, the interface where you can create the message by either picking phases or typing directly on the text area will show up.</a:t>
+            </a:r>
+          </a:p>
+        </p:txBody>
+      </p:sp>
+      <p:pic>
+        <p:nvPicPr>
+          <p:cNvPr id="4" name="Picture 3"/>
+          <p:cNvPicPr>
+            <a:picLocks noChangeAspect="1"/>
+          </p:cNvPicPr>
+          <p:nvPr/>
+        </p:nvPicPr>
+        <p:blipFill>
+          <a:blip r:embed="rId2">
+            <a:extLst>
+              <a:ext uri="{28A0092B-C50C-407E-A947-70E740481C1C}">
+                <a14:useLocalDpi xmlns:a14="http://schemas.microsoft.com/office/drawing/2010/main" val="0"/>
+              </a:ext>
+            </a:extLst>
+          </a:blip>
+          <a:stretch>
+            <a:fillRect/>
+          </a:stretch>
+        </p:blipFill>
+        <p:spPr>
+          <a:xfrm>
+            <a:off x="0" y="0"/>
+            <a:ext cx="9146935" cy="6858000"/>
+          </a:xfrm>
+          <a:prstGeom prst="rect">
+            <a:avLst/>
+          </a:prstGeom>
+        </p:spPr>
+      </p:pic>
+    </p:spTree>
+    <p:extLst>
+      <p:ext uri="{BB962C8B-B14F-4D97-AF65-F5344CB8AC3E}">
+        <p14:creationId xmlns:p14="http://schemas.microsoft.com/office/powerpoint/2010/main" val="3882870435"/>
+      </p:ext>
+    </p:extLst>
+  </p:cSld>
+  <p:clrMapOvr>
+    <a:masterClrMapping/>
+  </p:clrMapOvr>
+</p:sld>
+</file>
+
+<file path=ppt/slides/slide28.xml><?xml version="1.0" encoding="utf-8"?>
+<p:sld xmlns:a="http://schemas.openxmlformats.org/drawingml/2006/main" xmlns:r="http://schemas.openxmlformats.org/officeDocument/2006/relationships" xmlns:p="http://schemas.openxmlformats.org/presentationml/2006/main">
+  <p:cSld>
+    <p:spTree>
+      <p:nvGrpSpPr>
+        <p:cNvPr id="1" name=""/>
+        <p:cNvGrpSpPr/>
+        <p:nvPr/>
+      </p:nvGrpSpPr>
+      <p:grpSpPr>
+        <a:xfrm>
+          <a:off x="0" y="0"/>
+          <a:ext cx="0" cy="0"/>
+          <a:chOff x="0" y="0"/>
+          <a:chExt cx="0" cy="0"/>
+        </a:xfrm>
+      </p:grpSpPr>
+      <p:pic>
+        <p:nvPicPr>
+          <p:cNvPr id="4" name="Picture 3"/>
+          <p:cNvPicPr>
+            <a:picLocks noChangeAspect="1"/>
+          </p:cNvPicPr>
+          <p:nvPr/>
+        </p:nvPicPr>
+        <p:blipFill>
+          <a:blip r:embed="rId2">
+            <a:extLst>
+              <a:ext uri="{28A0092B-C50C-407E-A947-70E740481C1C}">
+                <a14:useLocalDpi xmlns:a14="http://schemas.microsoft.com/office/drawing/2010/main" val="0"/>
+              </a:ext>
+            </a:extLst>
+          </a:blip>
+          <a:stretch>
+            <a:fillRect/>
+          </a:stretch>
+        </p:blipFill>
+        <p:spPr>
+          <a:xfrm>
+            <a:off x="0" y="0"/>
+            <a:ext cx="9182445" cy="6858000"/>
+          </a:xfrm>
+          <a:prstGeom prst="rect">
+            <a:avLst/>
+          </a:prstGeom>
+        </p:spPr>
+      </p:pic>
+      <p:sp>
+        <p:nvSpPr>
+          <p:cNvPr id="2" name="Title 1"/>
+          <p:cNvSpPr>
+            <a:spLocks noGrp="1"/>
+          </p:cNvSpPr>
+          <p:nvPr>
+            <p:ph type="title"/>
+          </p:nvPr>
+        </p:nvSpPr>
+        <p:spPr>
+          <a:xfrm>
+            <a:off x="9418114" y="176589"/>
+            <a:ext cx="2171355" cy="1325563"/>
+          </a:xfrm>
+        </p:spPr>
+        <p:txBody>
+          <a:bodyPr>
+            <a:normAutofit fontScale="90000"/>
+          </a:bodyPr>
+          <a:lstStyle/>
+          <a:p>
+            <a:r>
+              <a:rPr lang="en-US" sz="2400" dirty="0"/>
+              <a:t>You can go back by click the cross on top right of the screen.</a:t>
+            </a:r>
+          </a:p>
+        </p:txBody>
+      </p:sp>
+      <p:sp>
+        <p:nvSpPr>
+          <p:cNvPr id="5" name="TextBox 4"/>
+          <p:cNvSpPr txBox="1"/>
+          <p:nvPr/>
+        </p:nvSpPr>
+        <p:spPr>
+          <a:xfrm>
+            <a:off x="848412" y="5533535"/>
+            <a:ext cx="2149312" cy="1200329"/>
+          </a:xfrm>
+          <a:prstGeom prst="rect">
+            <a:avLst/>
+          </a:prstGeom>
+          <a:noFill/>
+        </p:spPr>
+        <p:txBody>
+          <a:bodyPr wrap="square" rtlCol="0">
+            <a:spAutoFit/>
+          </a:bodyPr>
+          <a:lstStyle/>
+          <a:p>
+            <a:r>
+              <a:rPr lang="en-US" dirty="0"/>
+              <a:t>Click on the reset button will clear everything in the text area above.</a:t>
+            </a:r>
+          </a:p>
+        </p:txBody>
+      </p:sp>
+      <p:sp>
+        <p:nvSpPr>
+          <p:cNvPr id="6" name="TextBox 5"/>
+          <p:cNvSpPr txBox="1"/>
+          <p:nvPr/>
+        </p:nvSpPr>
+        <p:spPr>
+          <a:xfrm>
+            <a:off x="9341963" y="5307290"/>
+            <a:ext cx="2021263" cy="1200329"/>
+          </a:xfrm>
+          <a:prstGeom prst="rect">
+            <a:avLst/>
+          </a:prstGeom>
+          <a:noFill/>
+        </p:spPr>
+        <p:txBody>
+          <a:bodyPr wrap="square" rtlCol="0">
+            <a:spAutoFit/>
+          </a:bodyPr>
+          <a:lstStyle/>
+          <a:p>
+            <a:r>
+              <a:rPr lang="en-US" dirty="0"/>
               <a:t>If you finish the message, you can send it by clicking the send button.</a:t>
             </a:r>
-            <a:endParaRPr lang="en-US" dirty="0"/>
           </a:p>
         </p:txBody>
       </p:sp>
@@ -4919,7 +5375,7 @@
 </p:sld>
 </file>
 
-<file path=ppt/slides/slide23.xml><?xml version="1.0" encoding="utf-8"?>
+<file path=ppt/slides/slide29.xml><?xml version="1.0" encoding="utf-8"?>
 <p:sld xmlns:a="http://schemas.openxmlformats.org/drawingml/2006/main" xmlns:r="http://schemas.openxmlformats.org/officeDocument/2006/relationships" xmlns:p="http://schemas.openxmlformats.org/presentationml/2006/main">
   <p:cSld>
     <p:spTree>
@@ -4989,10 +5445,9 @@
           <a:lstStyle/>
           <a:p>
             <a:r>
-              <a:rPr lang="en-US" sz="2400" dirty="0" smtClean="0"/>
+              <a:rPr lang="en-US" sz="2400" dirty="0"/>
               <a:t>If you click the send button, you will need to swipe your id to finish the process.</a:t>
             </a:r>
-            <a:endParaRPr lang="en-US" sz="2400" dirty="0"/>
           </a:p>
         </p:txBody>
       </p:sp>
@@ -5009,7 +5464,64 @@
 </p:sld>
 </file>
 
-<file path=ppt/slides/slide24.xml><?xml version="1.0" encoding="utf-8"?>
+<file path=ppt/slides/slide3.xml><?xml version="1.0" encoding="utf-8"?>
+<p:sld xmlns:a="http://schemas.openxmlformats.org/drawingml/2006/main" xmlns:r="http://schemas.openxmlformats.org/officeDocument/2006/relationships" xmlns:p="http://schemas.openxmlformats.org/presentationml/2006/main">
+  <p:cSld>
+    <p:spTree>
+      <p:nvGrpSpPr>
+        <p:cNvPr id="1" name=""/>
+        <p:cNvGrpSpPr/>
+        <p:nvPr/>
+      </p:nvGrpSpPr>
+      <p:grpSpPr>
+        <a:xfrm>
+          <a:off x="0" y="0"/>
+          <a:ext cx="0" cy="0"/>
+          <a:chOff x="0" y="0"/>
+          <a:chExt cx="0" cy="0"/>
+        </a:xfrm>
+      </p:grpSpPr>
+      <p:sp>
+        <p:nvSpPr>
+          <p:cNvPr id="2" name="Title 1"/>
+          <p:cNvSpPr>
+            <a:spLocks noGrp="1"/>
+          </p:cNvSpPr>
+          <p:nvPr>
+            <p:ph type="title"/>
+          </p:nvPr>
+        </p:nvSpPr>
+        <p:spPr>
+          <a:xfrm>
+            <a:off x="1264920" y="2671445"/>
+            <a:ext cx="10515600" cy="1325563"/>
+          </a:xfrm>
+        </p:spPr>
+        <p:txBody>
+          <a:bodyPr/>
+          <a:lstStyle/>
+          <a:p>
+            <a:r>
+              <a:rPr lang="en-US" dirty="0"/>
+              <a:t>Faculty view and usage of the door board.</a:t>
+            </a:r>
+          </a:p>
+        </p:txBody>
+      </p:sp>
+    </p:spTree>
+    <p:extLst>
+      <p:ext uri="{BB962C8B-B14F-4D97-AF65-F5344CB8AC3E}">
+        <p14:creationId xmlns:p14="http://schemas.microsoft.com/office/powerpoint/2010/main" val="3660756018"/>
+      </p:ext>
+    </p:extLst>
+  </p:cSld>
+  <p:clrMapOvr>
+    <a:masterClrMapping/>
+  </p:clrMapOvr>
+</p:sld>
+</file>
+
+<file path=ppt/slides/slide30.xml><?xml version="1.0" encoding="utf-8"?>
 <p:sld xmlns:a="http://schemas.openxmlformats.org/drawingml/2006/main" xmlns:r="http://schemas.openxmlformats.org/officeDocument/2006/relationships" xmlns:p="http://schemas.openxmlformats.org/presentationml/2006/main">
   <p:cSld>
     <p:spTree>
@@ -5056,6 +5568,35 @@
           </a:prstGeom>
         </p:spPr>
       </p:pic>
+      <p:sp>
+        <p:nvSpPr>
+          <p:cNvPr id="3" name="Title 1"/>
+          <p:cNvSpPr>
+            <a:spLocks noGrp="1"/>
+          </p:cNvSpPr>
+          <p:nvPr>
+            <p:ph type="title"/>
+          </p:nvPr>
+        </p:nvSpPr>
+        <p:spPr>
+          <a:xfrm>
+            <a:off x="9568205" y="0"/>
+            <a:ext cx="2505607" cy="6279502"/>
+          </a:xfrm>
+        </p:spPr>
+        <p:txBody>
+          <a:bodyPr>
+            <a:normAutofit/>
+          </a:bodyPr>
+          <a:lstStyle/>
+          <a:p>
+            <a:r>
+              <a:rPr lang="en-US" sz="2400" dirty="0"/>
+              <a:t>Confirming a returns a message stating that you successfully completed an action that requires authentication, and you can now click the back message to return to the main page.</a:t>
+            </a:r>
+          </a:p>
+        </p:txBody>
+      </p:sp>
     </p:spTree>
     <p:extLst>
       <p:ext uri="{BB962C8B-B14F-4D97-AF65-F5344CB8AC3E}">
@@ -5069,7 +5610,276 @@
 </p:sld>
 </file>
 
-<file path=ppt/slides/slide3.xml><?xml version="1.0" encoding="utf-8"?>
+<file path=ppt/slides/slide31.xml><?xml version="1.0" encoding="utf-8"?>
+<p:sld xmlns:a="http://schemas.openxmlformats.org/drawingml/2006/main" xmlns:r="http://schemas.openxmlformats.org/officeDocument/2006/relationships" xmlns:p="http://schemas.openxmlformats.org/presentationml/2006/main">
+  <p:cSld>
+    <p:spTree>
+      <p:nvGrpSpPr>
+        <p:cNvPr id="1" name=""/>
+        <p:cNvGrpSpPr/>
+        <p:nvPr/>
+      </p:nvGrpSpPr>
+      <p:grpSpPr>
+        <a:xfrm>
+          <a:off x="0" y="0"/>
+          <a:ext cx="0" cy="0"/>
+          <a:chOff x="0" y="0"/>
+          <a:chExt cx="0" cy="0"/>
+        </a:xfrm>
+      </p:grpSpPr>
+      <p:pic>
+        <p:nvPicPr>
+          <p:cNvPr id="4" name="Picture 3"/>
+          <p:cNvPicPr>
+            <a:picLocks noChangeAspect="1"/>
+          </p:cNvPicPr>
+          <p:nvPr/>
+        </p:nvPicPr>
+        <p:blipFill>
+          <a:blip r:embed="rId2"/>
+          <a:stretch>
+            <a:fillRect/>
+          </a:stretch>
+        </p:blipFill>
+        <p:spPr>
+          <a:xfrm>
+            <a:off x="0" y="0"/>
+            <a:ext cx="9421427" cy="6858000"/>
+          </a:xfrm>
+          <a:prstGeom prst="rect">
+            <a:avLst/>
+          </a:prstGeom>
+        </p:spPr>
+      </p:pic>
+      <p:sp>
+        <p:nvSpPr>
+          <p:cNvPr id="5" name="Oval 4"/>
+          <p:cNvSpPr/>
+          <p:nvPr/>
+        </p:nvSpPr>
+        <p:spPr>
+          <a:xfrm>
+            <a:off x="2956560" y="4124960"/>
+            <a:ext cx="1849120" cy="873760"/>
+          </a:xfrm>
+          <a:prstGeom prst="ellipse">
+            <a:avLst/>
+          </a:prstGeom>
+          <a:noFill/>
+          <a:ln w="28575">
+            <a:solidFill>
+              <a:srgbClr val="FF0000"/>
+            </a:solidFill>
+          </a:ln>
+        </p:spPr>
+        <p:style>
+          <a:lnRef idx="2">
+            <a:schemeClr val="accent1">
+              <a:shade val="50000"/>
+            </a:schemeClr>
+          </a:lnRef>
+          <a:fillRef idx="1">
+            <a:schemeClr val="accent1"/>
+          </a:fillRef>
+          <a:effectRef idx="0">
+            <a:schemeClr val="accent1"/>
+          </a:effectRef>
+          <a:fontRef idx="minor">
+            <a:schemeClr val="lt1"/>
+          </a:fontRef>
+        </p:style>
+        <p:txBody>
+          <a:bodyPr rtlCol="0" anchor="ctr"/>
+          <a:lstStyle/>
+          <a:p>
+            <a:pPr algn="ctr"/>
+            <a:endParaRPr lang="en-US"/>
+          </a:p>
+        </p:txBody>
+      </p:sp>
+      <p:sp>
+        <p:nvSpPr>
+          <p:cNvPr id="6" name="Title 1"/>
+          <p:cNvSpPr>
+            <a:spLocks noGrp="1"/>
+          </p:cNvSpPr>
+          <p:nvPr>
+            <p:ph type="title"/>
+          </p:nvPr>
+        </p:nvSpPr>
+        <p:spPr>
+          <a:xfrm>
+            <a:off x="9580776" y="938694"/>
+            <a:ext cx="2492604" cy="5817706"/>
+          </a:xfrm>
+        </p:spPr>
+        <p:txBody>
+          <a:bodyPr>
+            <a:noAutofit/>
+          </a:bodyPr>
+          <a:lstStyle/>
+          <a:p>
+            <a:r>
+              <a:rPr lang="en-US" sz="2400" dirty="0"/>
+              <a:t>The “Schedule a meeting” button enables visitors to schedule a meeting with the owner of the door board. Scheduling an event is similar to creating a message, where the user has to validate their credentials before the request is complete.</a:t>
+            </a:r>
+          </a:p>
+        </p:txBody>
+      </p:sp>
+    </p:spTree>
+    <p:extLst>
+      <p:ext uri="{BB962C8B-B14F-4D97-AF65-F5344CB8AC3E}">
+        <p14:creationId xmlns:p14="http://schemas.microsoft.com/office/powerpoint/2010/main" val="1050584407"/>
+      </p:ext>
+    </p:extLst>
+  </p:cSld>
+  <p:clrMapOvr>
+    <a:masterClrMapping/>
+  </p:clrMapOvr>
+</p:sld>
+</file>
+
+<file path=ppt/slides/slide32.xml><?xml version="1.0" encoding="utf-8"?>
+<p:sld xmlns:a="http://schemas.openxmlformats.org/drawingml/2006/main" xmlns:r="http://schemas.openxmlformats.org/officeDocument/2006/relationships" xmlns:p="http://schemas.openxmlformats.org/presentationml/2006/main">
+  <p:cSld>
+    <p:spTree>
+      <p:nvGrpSpPr>
+        <p:cNvPr id="1" name=""/>
+        <p:cNvGrpSpPr/>
+        <p:nvPr/>
+      </p:nvGrpSpPr>
+      <p:grpSpPr>
+        <a:xfrm>
+          <a:off x="0" y="0"/>
+          <a:ext cx="0" cy="0"/>
+          <a:chOff x="0" y="0"/>
+          <a:chExt cx="0" cy="0"/>
+        </a:xfrm>
+      </p:grpSpPr>
+      <p:sp>
+        <p:nvSpPr>
+          <p:cNvPr id="6" name="Title 1"/>
+          <p:cNvSpPr>
+            <a:spLocks noGrp="1"/>
+          </p:cNvSpPr>
+          <p:nvPr>
+            <p:ph type="title"/>
+          </p:nvPr>
+        </p:nvSpPr>
+        <p:spPr>
+          <a:xfrm>
+            <a:off x="9580776" y="162560"/>
+            <a:ext cx="2492604" cy="6837680"/>
+          </a:xfrm>
+        </p:spPr>
+        <p:txBody>
+          <a:bodyPr>
+            <a:noAutofit/>
+          </a:bodyPr>
+          <a:lstStyle/>
+          <a:p>
+            <a:r>
+              <a:rPr lang="en-US" sz="2400" dirty="0"/>
+              <a:t>Clicking the button allows visitors to schedule a meeting with the faculty member. There are 2 sections where a visitor can change the time below the calendar. Once a time is selected, the visitor can click “Create Event” to confirm the event. The user can also click on the x on the top right to cancel their event.</a:t>
+            </a:r>
+          </a:p>
+        </p:txBody>
+      </p:sp>
+      <p:pic>
+        <p:nvPicPr>
+          <p:cNvPr id="2" name="Picture 1"/>
+          <p:cNvPicPr>
+            <a:picLocks noChangeAspect="1"/>
+          </p:cNvPicPr>
+          <p:nvPr/>
+        </p:nvPicPr>
+        <p:blipFill>
+          <a:blip r:embed="rId2"/>
+          <a:stretch>
+            <a:fillRect/>
+          </a:stretch>
+        </p:blipFill>
+        <p:spPr>
+          <a:xfrm>
+            <a:off x="0" y="0"/>
+            <a:ext cx="9421427" cy="6858000"/>
+          </a:xfrm>
+          <a:prstGeom prst="rect">
+            <a:avLst/>
+          </a:prstGeom>
+        </p:spPr>
+      </p:pic>
+    </p:spTree>
+    <p:extLst>
+      <p:ext uri="{BB962C8B-B14F-4D97-AF65-F5344CB8AC3E}">
+        <p14:creationId xmlns:p14="http://schemas.microsoft.com/office/powerpoint/2010/main" val="3395094708"/>
+      </p:ext>
+    </p:extLst>
+  </p:cSld>
+  <p:clrMapOvr>
+    <a:masterClrMapping/>
+  </p:clrMapOvr>
+</p:sld>
+</file>
+
+<file path=ppt/slides/slide33.xml><?xml version="1.0" encoding="utf-8"?>
+<p:sld xmlns:a="http://schemas.openxmlformats.org/drawingml/2006/main" xmlns:r="http://schemas.openxmlformats.org/officeDocument/2006/relationships" xmlns:p="http://schemas.openxmlformats.org/presentationml/2006/main">
+  <p:cSld>
+    <p:spTree>
+      <p:nvGrpSpPr>
+        <p:cNvPr id="1" name=""/>
+        <p:cNvGrpSpPr/>
+        <p:nvPr/>
+      </p:nvGrpSpPr>
+      <p:grpSpPr>
+        <a:xfrm>
+          <a:off x="0" y="0"/>
+          <a:ext cx="0" cy="0"/>
+          <a:chOff x="0" y="0"/>
+          <a:chExt cx="0" cy="0"/>
+        </a:xfrm>
+      </p:grpSpPr>
+      <p:sp>
+        <p:nvSpPr>
+          <p:cNvPr id="2" name="Title 1"/>
+          <p:cNvSpPr>
+            <a:spLocks noGrp="1"/>
+          </p:cNvSpPr>
+          <p:nvPr>
+            <p:ph type="title"/>
+          </p:nvPr>
+        </p:nvSpPr>
+        <p:spPr>
+          <a:xfrm>
+            <a:off x="4272280" y="2671445"/>
+            <a:ext cx="10515600" cy="1325563"/>
+          </a:xfrm>
+        </p:spPr>
+        <p:txBody>
+          <a:bodyPr/>
+          <a:lstStyle/>
+          <a:p>
+            <a:r>
+              <a:rPr lang="en-US" dirty="0"/>
+              <a:t>Questions?</a:t>
+            </a:r>
+          </a:p>
+        </p:txBody>
+      </p:sp>
+    </p:spTree>
+    <p:extLst>
+      <p:ext uri="{BB962C8B-B14F-4D97-AF65-F5344CB8AC3E}">
+        <p14:creationId xmlns:p14="http://schemas.microsoft.com/office/powerpoint/2010/main" val="2817756682"/>
+      </p:ext>
+    </p:extLst>
+  </p:cSld>
+  <p:clrMapOvr>
+    <a:masterClrMapping/>
+  </p:clrMapOvr>
+</p:sld>
+</file>
+
+<file path=ppt/slides/slide4.xml><?xml version="1.0" encoding="utf-8"?>
 <p:sld xmlns:a="http://schemas.openxmlformats.org/drawingml/2006/main" xmlns:r="http://schemas.openxmlformats.org/officeDocument/2006/relationships" xmlns:p="http://schemas.openxmlformats.org/presentationml/2006/main">
   <p:cSld>
     <p:spTree>
@@ -5128,8 +5938,8 @@
         </p:nvSpPr>
         <p:spPr>
           <a:xfrm>
-            <a:off x="3949831" y="5439264"/>
-            <a:ext cx="7979004" cy="857839"/>
+            <a:off x="9448799" y="284480"/>
+            <a:ext cx="2480035" cy="6012623"/>
           </a:xfrm>
         </p:spPr>
         <p:txBody>
@@ -5139,10 +5949,9 @@
           <a:lstStyle/>
           <a:p>
             <a:r>
-              <a:rPr lang="en-US" sz="2400" dirty="0" smtClean="0"/>
-              <a:t>Open login.html with browser(Firefox in this guide) you will be able to see a login page. </a:t>
-            </a:r>
-            <a:endParaRPr lang="en-US" sz="2400" dirty="0"/>
+              <a:rPr lang="en-US" sz="2400" dirty="0"/>
+              <a:t>Opening login.html allows the faculty member to access the login screen that leads to the configuration/admin view of their board.</a:t>
+            </a:r>
           </a:p>
         </p:txBody>
       </p:sp>
@@ -5150,96 +5959,6 @@
     <p:extLst>
       <p:ext uri="{BB962C8B-B14F-4D97-AF65-F5344CB8AC3E}">
         <p14:creationId xmlns:p14="http://schemas.microsoft.com/office/powerpoint/2010/main" val="3619179436"/>
-      </p:ext>
-    </p:extLst>
-  </p:cSld>
-  <p:clrMapOvr>
-    <a:masterClrMapping/>
-  </p:clrMapOvr>
-</p:sld>
-</file>
-
-<file path=ppt/slides/slide4.xml><?xml version="1.0" encoding="utf-8"?>
-<p:sld xmlns:a="http://schemas.openxmlformats.org/drawingml/2006/main" xmlns:r="http://schemas.openxmlformats.org/officeDocument/2006/relationships" xmlns:p="http://schemas.openxmlformats.org/presentationml/2006/main">
-  <p:cSld>
-    <p:spTree>
-      <p:nvGrpSpPr>
-        <p:cNvPr id="1" name=""/>
-        <p:cNvGrpSpPr/>
-        <p:nvPr/>
-      </p:nvGrpSpPr>
-      <p:grpSpPr>
-        <a:xfrm>
-          <a:off x="0" y="0"/>
-          <a:ext cx="0" cy="0"/>
-          <a:chOff x="0" y="0"/>
-          <a:chExt cx="0" cy="0"/>
-        </a:xfrm>
-      </p:grpSpPr>
-      <p:pic>
-        <p:nvPicPr>
-          <p:cNvPr id="4" name="Picture 3"/>
-          <p:cNvPicPr>
-            <a:picLocks noChangeAspect="1"/>
-          </p:cNvPicPr>
-          <p:nvPr/>
-        </p:nvPicPr>
-        <p:blipFill>
-          <a:blip r:embed="rId2">
-            <a:extLst>
-              <a:ext uri="{28A0092B-C50C-407E-A947-70E740481C1C}">
-                <a14:useLocalDpi xmlns:a14="http://schemas.microsoft.com/office/drawing/2010/main" val="0"/>
-              </a:ext>
-            </a:extLst>
-          </a:blip>
-          <a:stretch>
-            <a:fillRect/>
-          </a:stretch>
-        </p:blipFill>
-        <p:spPr>
-          <a:xfrm>
-            <a:off x="0" y="0"/>
-            <a:ext cx="9141062" cy="6858000"/>
-          </a:xfrm>
-          <a:prstGeom prst="rect">
-            <a:avLst/>
-          </a:prstGeom>
-        </p:spPr>
-      </p:pic>
-      <p:sp>
-        <p:nvSpPr>
-          <p:cNvPr id="2" name="Title 1"/>
-          <p:cNvSpPr>
-            <a:spLocks noGrp="1"/>
-          </p:cNvSpPr>
-          <p:nvPr>
-            <p:ph type="title"/>
-          </p:nvPr>
-        </p:nvSpPr>
-        <p:spPr>
-          <a:xfrm>
-            <a:off x="9228056" y="2231632"/>
-            <a:ext cx="2715706" cy="1325563"/>
-          </a:xfrm>
-        </p:spPr>
-        <p:txBody>
-          <a:bodyPr>
-            <a:normAutofit fontScale="90000"/>
-          </a:bodyPr>
-          <a:lstStyle/>
-          <a:p>
-            <a:r>
-              <a:rPr lang="en-US" sz="2400" dirty="0" smtClean="0"/>
-              <a:t>If any empty name is entered, an “invalid user name” alert will be shown.</a:t>
-            </a:r>
-            <a:endParaRPr lang="en-US" sz="2400" dirty="0"/>
-          </a:p>
-        </p:txBody>
-      </p:sp>
-    </p:spTree>
-    <p:extLst>
-      <p:ext uri="{BB962C8B-B14F-4D97-AF65-F5344CB8AC3E}">
-        <p14:creationId xmlns:p14="http://schemas.microsoft.com/office/powerpoint/2010/main" val="3946244481"/>
       </p:ext>
     </p:extLst>
   </p:cSld>
@@ -5289,7 +6008,7 @@
         <p:spPr>
           <a:xfrm>
             <a:off x="0" y="0"/>
-            <a:ext cx="9164621" cy="6858000"/>
+            <a:ext cx="9141062" cy="6858000"/>
           </a:xfrm>
           <a:prstGeom prst="rect">
             <a:avLst/>
@@ -5308,66 +6027,27 @@
         </p:nvSpPr>
         <p:spPr>
           <a:xfrm>
-            <a:off x="9164621" y="329939"/>
-            <a:ext cx="3149338" cy="3566622"/>
+            <a:off x="9228056" y="2231632"/>
+            <a:ext cx="2715706" cy="1325563"/>
           </a:xfrm>
         </p:spPr>
         <p:txBody>
           <a:bodyPr>
-            <a:noAutofit/>
+            <a:normAutofit fontScale="90000"/>
           </a:bodyPr>
           <a:lstStyle/>
           <a:p>
             <a:r>
-              <a:rPr lang="en-US" sz="2400" dirty="0" smtClean="0"/>
-              <a:t>If an username that is not in the database is entered, a “doesn’t exist” alert will be shown.</a:t>
-            </a:r>
-            <a:br>
-              <a:rPr lang="en-US" sz="2400" dirty="0" smtClean="0"/>
-            </a:br>
-            <a:r>
               <a:rPr lang="en-US" sz="2400" dirty="0"/>
-              <a:t/>
-            </a:r>
-            <a:br>
-              <a:rPr lang="en-US" sz="2400" dirty="0"/>
-            </a:br>
-            <a:r>
-              <a:rPr lang="en-US" sz="2400" dirty="0" smtClean="0"/>
-              <a:t>At current stage, there are 3 users in the database: “</a:t>
-            </a:r>
-            <a:r>
-              <a:rPr lang="en-US" sz="2400" dirty="0" err="1" smtClean="0"/>
-              <a:t>egolub</a:t>
-            </a:r>
-            <a:r>
-              <a:rPr lang="en-US" sz="2400" dirty="0" smtClean="0"/>
-              <a:t>”, “</a:t>
-            </a:r>
-            <a:r>
-              <a:rPr lang="en-US" sz="2400" dirty="0" err="1" smtClean="0"/>
-              <a:t>mhicks</a:t>
-            </a:r>
-            <a:r>
-              <a:rPr lang="en-US" sz="2400" dirty="0" smtClean="0"/>
-              <a:t>” and “</a:t>
-            </a:r>
-            <a:r>
-              <a:rPr lang="en-US" sz="2400" dirty="0" err="1" smtClean="0"/>
-              <a:t>femad</a:t>
-            </a:r>
-            <a:r>
-              <a:rPr lang="en-US" sz="2400" dirty="0" smtClean="0"/>
-              <a:t>”.</a:t>
-            </a:r>
-            <a:endParaRPr lang="en-US" sz="2400" dirty="0"/>
+              <a:t>If any empty name is entered, an “invalid user name” alert will be shown.</a:t>
+            </a:r>
           </a:p>
         </p:txBody>
       </p:sp>
     </p:spTree>
     <p:extLst>
       <p:ext uri="{BB962C8B-B14F-4D97-AF65-F5344CB8AC3E}">
-        <p14:creationId xmlns:p14="http://schemas.microsoft.com/office/powerpoint/2010/main" val="1050770880"/>
+        <p14:creationId xmlns:p14="http://schemas.microsoft.com/office/powerpoint/2010/main" val="3946244481"/>
       </p:ext>
     </p:extLst>
   </p:cSld>
@@ -5378,115 +6058,6 @@
 </file>
 
 <file path=ppt/slides/slide6.xml><?xml version="1.0" encoding="utf-8"?>
-<p:sld xmlns:a="http://schemas.openxmlformats.org/drawingml/2006/main" xmlns:r="http://schemas.openxmlformats.org/officeDocument/2006/relationships" xmlns:p="http://schemas.openxmlformats.org/presentationml/2006/main">
-  <p:cSld>
-    <p:spTree>
-      <p:nvGrpSpPr>
-        <p:cNvPr id="1" name=""/>
-        <p:cNvGrpSpPr/>
-        <p:nvPr/>
-      </p:nvGrpSpPr>
-      <p:grpSpPr>
-        <a:xfrm>
-          <a:off x="0" y="0"/>
-          <a:ext cx="0" cy="0"/>
-          <a:chOff x="0" y="0"/>
-          <a:chExt cx="0" cy="0"/>
-        </a:xfrm>
-      </p:grpSpPr>
-      <p:pic>
-        <p:nvPicPr>
-          <p:cNvPr id="5" name="Picture 4"/>
-          <p:cNvPicPr>
-            <a:picLocks noChangeAspect="1"/>
-          </p:cNvPicPr>
-          <p:nvPr/>
-        </p:nvPicPr>
-        <p:blipFill>
-          <a:blip r:embed="rId2">
-            <a:extLst>
-              <a:ext uri="{28A0092B-C50C-407E-A947-70E740481C1C}">
-                <a14:useLocalDpi xmlns:a14="http://schemas.microsoft.com/office/drawing/2010/main" val="0"/>
-              </a:ext>
-            </a:extLst>
-          </a:blip>
-          <a:stretch>
-            <a:fillRect/>
-          </a:stretch>
-        </p:blipFill>
-        <p:spPr>
-          <a:xfrm>
-            <a:off x="0" y="56283"/>
-            <a:ext cx="10058400" cy="6801717"/>
-          </a:xfrm>
-          <a:prstGeom prst="rect">
-            <a:avLst/>
-          </a:prstGeom>
-        </p:spPr>
-      </p:pic>
-      <p:sp>
-        <p:nvSpPr>
-          <p:cNvPr id="2" name="Title 1"/>
-          <p:cNvSpPr>
-            <a:spLocks noGrp="1"/>
-          </p:cNvSpPr>
-          <p:nvPr>
-            <p:ph type="title"/>
-          </p:nvPr>
-        </p:nvSpPr>
-        <p:spPr>
-          <a:xfrm>
-            <a:off x="10145598" y="763573"/>
-            <a:ext cx="2046402" cy="4942934"/>
-          </a:xfrm>
-        </p:spPr>
-        <p:txBody>
-          <a:bodyPr>
-            <a:normAutofit/>
-          </a:bodyPr>
-          <a:lstStyle/>
-          <a:p>
-            <a:r>
-              <a:rPr lang="en-US" sz="2400" dirty="0"/>
-              <a:t>L</a:t>
-            </a:r>
-            <a:r>
-              <a:rPr lang="en-US" sz="2400" dirty="0" smtClean="0"/>
-              <a:t>ogin as “</a:t>
-            </a:r>
-            <a:r>
-              <a:rPr lang="en-US" sz="2400" dirty="0" err="1" smtClean="0"/>
-              <a:t>egolub</a:t>
-            </a:r>
-            <a:r>
-              <a:rPr lang="en-US" sz="2400" dirty="0" smtClean="0"/>
-              <a:t>”, you will be able to see the configuration page where you can change your information and check notification/messages from your </a:t>
-            </a:r>
-            <a:r>
-              <a:rPr lang="en-US" sz="2400" dirty="0" err="1" smtClean="0"/>
-              <a:t>doorboard</a:t>
-            </a:r>
-            <a:r>
-              <a:rPr lang="en-US" sz="2400" dirty="0"/>
-              <a:t>.</a:t>
-            </a:r>
-          </a:p>
-        </p:txBody>
-      </p:sp>
-    </p:spTree>
-    <p:extLst>
-      <p:ext uri="{BB962C8B-B14F-4D97-AF65-F5344CB8AC3E}">
-        <p14:creationId xmlns:p14="http://schemas.microsoft.com/office/powerpoint/2010/main" val="3826466798"/>
-      </p:ext>
-    </p:extLst>
-  </p:cSld>
-  <p:clrMapOvr>
-    <a:masterClrMapping/>
-  </p:clrMapOvr>
-</p:sld>
-</file>
-
-<file path=ppt/slides/slide7.xml><?xml version="1.0" encoding="utf-8"?>
 <p:sld xmlns:a="http://schemas.openxmlformats.org/drawingml/2006/main" xmlns:r="http://schemas.openxmlformats.org/officeDocument/2006/relationships" xmlns:p="http://schemas.openxmlformats.org/presentationml/2006/main">
   <p:cSld>
     <p:spTree>
@@ -5525,8 +6096,8 @@
         </p:blipFill>
         <p:spPr>
           <a:xfrm>
-            <a:off x="0" y="56283"/>
-            <a:ext cx="10058400" cy="6801717"/>
+            <a:off x="0" y="0"/>
+            <a:ext cx="9164621" cy="6858000"/>
           </a:xfrm>
           <a:prstGeom prst="rect">
             <a:avLst/>
@@ -5535,94 +6106,170 @@
       </p:pic>
       <p:sp>
         <p:nvSpPr>
-          <p:cNvPr id="5" name="TextBox 4"/>
-          <p:cNvSpPr txBox="1"/>
+          <p:cNvPr id="2" name="Title 1"/>
+          <p:cNvSpPr>
+            <a:spLocks noGrp="1"/>
+          </p:cNvSpPr>
+          <p:nvPr>
+            <p:ph type="title"/>
+          </p:nvPr>
+        </p:nvSpPr>
+        <p:spPr>
+          <a:xfrm>
+            <a:off x="9164621" y="329939"/>
+            <a:ext cx="3149338" cy="3566622"/>
+          </a:xfrm>
+        </p:spPr>
+        <p:txBody>
+          <a:bodyPr>
+            <a:noAutofit/>
+          </a:bodyPr>
+          <a:lstStyle/>
+          <a:p>
+            <a:r>
+              <a:rPr lang="en-US" sz="2400" dirty="0"/>
+              <a:t>If an username that is not in the database is entered, a “doesn’t exist” alert will be shown.</a:t>
+            </a:r>
+            <a:br>
+              <a:rPr lang="en-US" sz="2400" dirty="0"/>
+            </a:br>
+            <a:br>
+              <a:rPr lang="en-US" sz="2400" dirty="0"/>
+            </a:br>
+            <a:r>
+              <a:rPr lang="en-US" sz="2400" dirty="0"/>
+              <a:t>At current stage, there are 3 users in the database: “</a:t>
+            </a:r>
+            <a:r>
+              <a:rPr lang="en-US" sz="2400" dirty="0" err="1"/>
+              <a:t>egolub</a:t>
+            </a:r>
+            <a:r>
+              <a:rPr lang="en-US" sz="2400" dirty="0"/>
+              <a:t>”, “</a:t>
+            </a:r>
+            <a:r>
+              <a:rPr lang="en-US" sz="2400" dirty="0" err="1"/>
+              <a:t>mhicks</a:t>
+            </a:r>
+            <a:r>
+              <a:rPr lang="en-US" sz="2400" dirty="0"/>
+              <a:t>” and “</a:t>
+            </a:r>
+            <a:r>
+              <a:rPr lang="en-US" sz="2400" dirty="0" err="1"/>
+              <a:t>femad</a:t>
+            </a:r>
+            <a:r>
+              <a:rPr lang="en-US" sz="2400" dirty="0"/>
+              <a:t>”.</a:t>
+            </a:r>
+          </a:p>
+        </p:txBody>
+      </p:sp>
+    </p:spTree>
+    <p:extLst>
+      <p:ext uri="{BB962C8B-B14F-4D97-AF65-F5344CB8AC3E}">
+        <p14:creationId xmlns:p14="http://schemas.microsoft.com/office/powerpoint/2010/main" val="1050770880"/>
+      </p:ext>
+    </p:extLst>
+  </p:cSld>
+  <p:clrMapOvr>
+    <a:masterClrMapping/>
+  </p:clrMapOvr>
+</p:sld>
+</file>
+
+<file path=ppt/slides/slide7.xml><?xml version="1.0" encoding="utf-8"?>
+<p:sld xmlns:a="http://schemas.openxmlformats.org/drawingml/2006/main" xmlns:r="http://schemas.openxmlformats.org/officeDocument/2006/relationships" xmlns:p="http://schemas.openxmlformats.org/presentationml/2006/main">
+  <p:cSld>
+    <p:spTree>
+      <p:nvGrpSpPr>
+        <p:cNvPr id="1" name=""/>
+        <p:cNvGrpSpPr/>
+        <p:nvPr/>
+      </p:nvGrpSpPr>
+      <p:grpSpPr>
+        <a:xfrm>
+          <a:off x="0" y="0"/>
+          <a:ext cx="0" cy="0"/>
+          <a:chOff x="0" y="0"/>
+          <a:chExt cx="0" cy="0"/>
+        </a:xfrm>
+      </p:grpSpPr>
+      <p:sp>
+        <p:nvSpPr>
+          <p:cNvPr id="2" name="Title 1"/>
+          <p:cNvSpPr>
+            <a:spLocks noGrp="1"/>
+          </p:cNvSpPr>
+          <p:nvPr>
+            <p:ph type="title"/>
+          </p:nvPr>
+        </p:nvSpPr>
+        <p:spPr>
+          <a:xfrm>
+            <a:off x="10145598" y="763573"/>
+            <a:ext cx="2046402" cy="4942934"/>
+          </a:xfrm>
+        </p:spPr>
+        <p:txBody>
+          <a:bodyPr>
+            <a:normAutofit/>
+          </a:bodyPr>
+          <a:lstStyle/>
+          <a:p>
+            <a:r>
+              <a:rPr lang="en-US" sz="2400" dirty="0"/>
+              <a:t>Login as “</a:t>
+            </a:r>
+            <a:r>
+              <a:rPr lang="en-US" sz="2400" dirty="0" err="1"/>
+              <a:t>egolub</a:t>
+            </a:r>
+            <a:r>
+              <a:rPr lang="en-US" sz="2400" dirty="0"/>
+              <a:t>”, you will be able to see the configuration page where you can change your information and check notification/messages from your </a:t>
+            </a:r>
+            <a:r>
+              <a:rPr lang="en-US" sz="2400" dirty="0" err="1"/>
+              <a:t>doorboard</a:t>
+            </a:r>
+            <a:r>
+              <a:rPr lang="en-US" sz="2400" dirty="0"/>
+              <a:t>.</a:t>
+            </a:r>
+          </a:p>
+        </p:txBody>
+      </p:sp>
+      <p:pic>
+        <p:nvPicPr>
+          <p:cNvPr id="7" name="Picture 6"/>
+          <p:cNvPicPr>
+            <a:picLocks noChangeAspect="1"/>
+          </p:cNvPicPr>
           <p:nvPr/>
-        </p:nvSpPr>
-        <p:spPr>
-          <a:xfrm>
-            <a:off x="10246936" y="2139884"/>
-            <a:ext cx="1753385" cy="2308324"/>
+        </p:nvPicPr>
+        <p:blipFill>
+          <a:blip r:embed="rId2"/>
+          <a:stretch>
+            <a:fillRect/>
+          </a:stretch>
+        </p:blipFill>
+        <p:spPr>
+          <a:xfrm>
+            <a:off x="0" y="0"/>
+            <a:ext cx="9783722" cy="6858000"/>
           </a:xfrm>
           <a:prstGeom prst="rect">
             <a:avLst/>
           </a:prstGeom>
-          <a:noFill/>
-        </p:spPr>
-        <p:txBody>
-          <a:bodyPr wrap="square" rtlCol="0">
-            <a:spAutoFit/>
-          </a:bodyPr>
-          <a:lstStyle/>
-          <a:p>
-            <a:r>
-              <a:rPr lang="en-US" sz="2400" dirty="0" smtClean="0">
-                <a:latin typeface="+mj-lt"/>
-              </a:rPr>
-              <a:t>A tool bar </a:t>
-            </a:r>
-            <a:r>
-              <a:rPr lang="en-US" sz="2400" dirty="0" smtClean="0"/>
-              <a:t>with four </a:t>
-            </a:r>
-            <a:r>
-              <a:rPr lang="en-US" sz="2400" dirty="0"/>
-              <a:t>buttons </a:t>
-            </a:r>
-            <a:r>
-              <a:rPr lang="en-US" sz="2400" dirty="0" smtClean="0">
-                <a:latin typeface="+mj-lt"/>
-              </a:rPr>
-              <a:t>will show up  on the top right corner.</a:t>
-            </a:r>
-            <a:endParaRPr lang="en-US" sz="2400" dirty="0">
-              <a:latin typeface="+mj-lt"/>
-            </a:endParaRPr>
-          </a:p>
-        </p:txBody>
-      </p:sp>
-      <p:cxnSp>
-        <p:nvCxnSpPr>
-          <p:cNvPr id="7" name="Straight Arrow Connector 6"/>
-          <p:cNvCxnSpPr>
-            <a:stCxn id="5" idx="0"/>
-          </p:cNvCxnSpPr>
-          <p:nvPr/>
-        </p:nvCxnSpPr>
-        <p:spPr>
-          <a:xfrm flipH="1" flipV="1">
-            <a:off x="10171522" y="1517715"/>
-            <a:ext cx="952107" cy="622169"/>
-          </a:xfrm>
-          <a:prstGeom prst="straightConnector1">
-            <a:avLst/>
-          </a:prstGeom>
-          <a:ln>
-            <a:solidFill>
-              <a:schemeClr val="tx1"/>
-            </a:solidFill>
-            <a:tailEnd type="triangle"/>
-          </a:ln>
-        </p:spPr>
-        <p:style>
-          <a:lnRef idx="1">
-            <a:schemeClr val="accent1"/>
-          </a:lnRef>
-          <a:fillRef idx="0">
-            <a:schemeClr val="accent1"/>
-          </a:fillRef>
-          <a:effectRef idx="0">
-            <a:schemeClr val="accent1"/>
-          </a:effectRef>
-          <a:fontRef idx="minor">
-            <a:schemeClr val="tx1"/>
-          </a:fontRef>
-        </p:style>
-      </p:cxnSp>
+        </p:spPr>
+      </p:pic>
     </p:spTree>
     <p:extLst>
       <p:ext uri="{BB962C8B-B14F-4D97-AF65-F5344CB8AC3E}">
-        <p14:creationId xmlns:p14="http://schemas.microsoft.com/office/powerpoint/2010/main" val="1006527137"/>
+        <p14:creationId xmlns:p14="http://schemas.microsoft.com/office/powerpoint/2010/main" val="3826466798"/>
       </p:ext>
     </p:extLst>
   </p:cSld>
@@ -5649,160 +6296,113 @@
           <a:chExt cx="0" cy="0"/>
         </a:xfrm>
       </p:grpSpPr>
+      <p:sp>
+        <p:nvSpPr>
+          <p:cNvPr id="5" name="TextBox 4"/>
+          <p:cNvSpPr txBox="1"/>
+          <p:nvPr/>
+        </p:nvSpPr>
+        <p:spPr>
+          <a:xfrm>
+            <a:off x="10246936" y="2139884"/>
+            <a:ext cx="1753385" cy="2308324"/>
+          </a:xfrm>
+          <a:prstGeom prst="rect">
+            <a:avLst/>
+          </a:prstGeom>
+          <a:noFill/>
+        </p:spPr>
+        <p:txBody>
+          <a:bodyPr wrap="square" rtlCol="0">
+            <a:spAutoFit/>
+          </a:bodyPr>
+          <a:lstStyle/>
+          <a:p>
+            <a:r>
+              <a:rPr lang="en-US" sz="2400" dirty="0">
+                <a:latin typeface="+mj-lt"/>
+              </a:rPr>
+              <a:t>A tool bar </a:t>
+            </a:r>
+            <a:r>
+              <a:rPr lang="en-US" sz="2400" dirty="0"/>
+              <a:t>with four buttons </a:t>
+            </a:r>
+            <a:r>
+              <a:rPr lang="en-US" sz="2400" dirty="0">
+                <a:latin typeface="+mj-lt"/>
+              </a:rPr>
+              <a:t>will show up  on the top right corner.</a:t>
+            </a:r>
+          </a:p>
+        </p:txBody>
+      </p:sp>
+      <p:cxnSp>
+        <p:nvCxnSpPr>
+          <p:cNvPr id="7" name="Straight Arrow Connector 6"/>
+          <p:cNvCxnSpPr>
+            <a:stCxn id="5" idx="0"/>
+          </p:cNvCxnSpPr>
+          <p:nvPr/>
+        </p:nvCxnSpPr>
+        <p:spPr>
+          <a:xfrm flipH="1" flipV="1">
+            <a:off x="10171522" y="1517715"/>
+            <a:ext cx="952107" cy="622169"/>
+          </a:xfrm>
+          <a:prstGeom prst="straightConnector1">
+            <a:avLst/>
+          </a:prstGeom>
+          <a:ln>
+            <a:solidFill>
+              <a:schemeClr val="tx1"/>
+            </a:solidFill>
+            <a:tailEnd type="triangle"/>
+          </a:ln>
+        </p:spPr>
+        <p:style>
+          <a:lnRef idx="1">
+            <a:schemeClr val="accent1"/>
+          </a:lnRef>
+          <a:fillRef idx="0">
+            <a:schemeClr val="accent1"/>
+          </a:fillRef>
+          <a:effectRef idx="0">
+            <a:schemeClr val="accent1"/>
+          </a:effectRef>
+          <a:fontRef idx="minor">
+            <a:schemeClr val="tx1"/>
+          </a:fontRef>
+        </p:style>
+      </p:cxnSp>
       <p:pic>
         <p:nvPicPr>
-          <p:cNvPr id="4" name="Picture 3"/>
+          <p:cNvPr id="3" name="Picture 2"/>
           <p:cNvPicPr>
             <a:picLocks noChangeAspect="1"/>
           </p:cNvPicPr>
           <p:nvPr/>
         </p:nvPicPr>
         <p:blipFill>
-          <a:blip r:embed="rId2">
-            <a:extLst>
-              <a:ext uri="{28A0092B-C50C-407E-A947-70E740481C1C}">
-                <a14:useLocalDpi xmlns:a14="http://schemas.microsoft.com/office/drawing/2010/main" val="0"/>
-              </a:ext>
-            </a:extLst>
-          </a:blip>
+          <a:blip r:embed="rId2"/>
           <a:stretch>
             <a:fillRect/>
           </a:stretch>
         </p:blipFill>
         <p:spPr>
           <a:xfrm>
-            <a:off x="2850954" y="273378"/>
-            <a:ext cx="3721100" cy="4318000"/>
+            <a:off x="0" y="0"/>
+            <a:ext cx="9783722" cy="6858000"/>
           </a:xfrm>
           <a:prstGeom prst="rect">
             <a:avLst/>
           </a:prstGeom>
         </p:spPr>
       </p:pic>
-      <p:pic>
-        <p:nvPicPr>
-          <p:cNvPr id="5" name="Picture 4"/>
-          <p:cNvPicPr>
-            <a:picLocks noChangeAspect="1"/>
-          </p:cNvPicPr>
-          <p:nvPr/>
-        </p:nvPicPr>
-        <p:blipFill>
-          <a:blip r:embed="rId3">
-            <a:extLst>
-              <a:ext uri="{28A0092B-C50C-407E-A947-70E740481C1C}">
-                <a14:useLocalDpi xmlns:a14="http://schemas.microsoft.com/office/drawing/2010/main" val="0"/>
-              </a:ext>
-            </a:extLst>
-          </a:blip>
-          <a:stretch>
-            <a:fillRect/>
-          </a:stretch>
-        </p:blipFill>
-        <p:spPr>
-          <a:xfrm>
-            <a:off x="2190554" y="2702547"/>
-            <a:ext cx="3771900" cy="4064000"/>
-          </a:xfrm>
-          <a:prstGeom prst="rect">
-            <a:avLst/>
-          </a:prstGeom>
-        </p:spPr>
-      </p:pic>
-      <p:pic>
-        <p:nvPicPr>
-          <p:cNvPr id="7" name="Picture 6"/>
-          <p:cNvPicPr>
-            <a:picLocks noChangeAspect="1"/>
-          </p:cNvPicPr>
-          <p:nvPr/>
-        </p:nvPicPr>
-        <p:blipFill>
-          <a:blip r:embed="rId4">
-            <a:extLst>
-              <a:ext uri="{28A0092B-C50C-407E-A947-70E740481C1C}">
-                <a14:useLocalDpi xmlns:a14="http://schemas.microsoft.com/office/drawing/2010/main" val="0"/>
-              </a:ext>
-            </a:extLst>
-          </a:blip>
-          <a:stretch>
-            <a:fillRect/>
-          </a:stretch>
-        </p:blipFill>
-        <p:spPr>
-          <a:xfrm>
-            <a:off x="0" y="0"/>
-            <a:ext cx="3746500" cy="4495800"/>
-          </a:xfrm>
-          <a:prstGeom prst="rect">
-            <a:avLst/>
-          </a:prstGeom>
-        </p:spPr>
-      </p:pic>
-      <p:pic>
-        <p:nvPicPr>
-          <p:cNvPr id="6" name="Picture 5"/>
-          <p:cNvPicPr>
-            <a:picLocks noChangeAspect="1"/>
-          </p:cNvPicPr>
-          <p:nvPr/>
-        </p:nvPicPr>
-        <p:blipFill>
-          <a:blip r:embed="rId5">
-            <a:extLst>
-              <a:ext uri="{28A0092B-C50C-407E-A947-70E740481C1C}">
-                <a14:useLocalDpi xmlns:a14="http://schemas.microsoft.com/office/drawing/2010/main" val="0"/>
-              </a:ext>
-            </a:extLst>
-          </a:blip>
-          <a:stretch>
-            <a:fillRect/>
-          </a:stretch>
-        </p:blipFill>
-        <p:spPr>
-          <a:xfrm>
-            <a:off x="25400" y="2247900"/>
-            <a:ext cx="3111500" cy="4445000"/>
-          </a:xfrm>
-          <a:prstGeom prst="rect">
-            <a:avLst/>
-          </a:prstGeom>
-        </p:spPr>
-      </p:pic>
-      <p:sp>
-        <p:nvSpPr>
-          <p:cNvPr id="8" name="TextBox 7"/>
-          <p:cNvSpPr txBox="1"/>
-          <p:nvPr/>
-        </p:nvSpPr>
-        <p:spPr>
-          <a:xfrm>
-            <a:off x="6965493" y="2356701"/>
-            <a:ext cx="3846136" cy="830997"/>
-          </a:xfrm>
-          <a:prstGeom prst="rect">
-            <a:avLst/>
-          </a:prstGeom>
-          <a:noFill/>
-        </p:spPr>
-        <p:txBody>
-          <a:bodyPr wrap="square" rtlCol="0">
-            <a:spAutoFit/>
-          </a:bodyPr>
-          <a:lstStyle/>
-          <a:p>
-            <a:r>
-              <a:rPr lang="en-US" sz="2400" dirty="0" smtClean="0"/>
-              <a:t>You can mouse over them to see the tool tip.</a:t>
-            </a:r>
-            <a:endParaRPr lang="en-US" sz="2400" dirty="0"/>
-          </a:p>
-        </p:txBody>
-      </p:sp>
     </p:spTree>
     <p:extLst>
       <p:ext uri="{BB962C8B-B14F-4D97-AF65-F5344CB8AC3E}">
-        <p14:creationId xmlns:p14="http://schemas.microsoft.com/office/powerpoint/2010/main" val="4245174116"/>
+        <p14:creationId xmlns:p14="http://schemas.microsoft.com/office/powerpoint/2010/main" val="1006527137"/>
       </p:ext>
     </p:extLst>
   </p:cSld>
@@ -5851,84 +6451,137 @@
         </p:blipFill>
         <p:spPr>
           <a:xfrm>
-            <a:off x="2133600" y="0"/>
-            <a:ext cx="10058400" cy="6815945"/>
+            <a:off x="2850954" y="273378"/>
+            <a:ext cx="3721100" cy="4318000"/>
           </a:xfrm>
           <a:prstGeom prst="rect">
             <a:avLst/>
           </a:prstGeom>
         </p:spPr>
       </p:pic>
-      <p:sp>
-        <p:nvSpPr>
-          <p:cNvPr id="2" name="Title 1"/>
-          <p:cNvSpPr>
-            <a:spLocks noGrp="1"/>
-          </p:cNvSpPr>
-          <p:nvPr>
-            <p:ph type="title"/>
-          </p:nvPr>
-        </p:nvSpPr>
-        <p:spPr>
-          <a:xfrm>
-            <a:off x="0" y="707010"/>
-            <a:ext cx="2068398" cy="3839999"/>
-          </a:xfrm>
-        </p:spPr>
-        <p:txBody>
-          <a:bodyPr>
-            <a:normAutofit/>
-          </a:bodyPr>
-          <a:lstStyle/>
-          <a:p>
-            <a:r>
-              <a:rPr lang="en-US" sz="2400" dirty="0" smtClean="0"/>
-              <a:t>By clicking on the browse button, you can change the profile photo.(The photo has to be at the same directory as these html files)</a:t>
-            </a:r>
-            <a:endParaRPr lang="en-US" sz="2400" dirty="0"/>
-          </a:p>
-        </p:txBody>
-      </p:sp>
-      <p:cxnSp>
-        <p:nvCxnSpPr>
-          <p:cNvPr id="9" name="Straight Arrow Connector 8"/>
-          <p:cNvCxnSpPr/>
+      <p:pic>
+        <p:nvPicPr>
+          <p:cNvPr id="5" name="Picture 4"/>
+          <p:cNvPicPr>
+            <a:picLocks noChangeAspect="1"/>
+          </p:cNvPicPr>
           <p:nvPr/>
-        </p:nvCxnSpPr>
-        <p:spPr>
-          <a:xfrm>
-            <a:off x="1870435" y="2545530"/>
-            <a:ext cx="1033021" cy="889188"/>
-          </a:xfrm>
-          <a:prstGeom prst="straightConnector1">
+        </p:nvPicPr>
+        <p:blipFill>
+          <a:blip r:embed="rId3">
+            <a:extLst>
+              <a:ext uri="{28A0092B-C50C-407E-A947-70E740481C1C}">
+                <a14:useLocalDpi xmlns:a14="http://schemas.microsoft.com/office/drawing/2010/main" val="0"/>
+              </a:ext>
+            </a:extLst>
+          </a:blip>
+          <a:stretch>
+            <a:fillRect/>
+          </a:stretch>
+        </p:blipFill>
+        <p:spPr>
+          <a:xfrm>
+            <a:off x="2190554" y="2702547"/>
+            <a:ext cx="3771900" cy="4064000"/>
+          </a:xfrm>
+          <a:prstGeom prst="rect">
             <a:avLst/>
           </a:prstGeom>
-          <a:ln>
-            <a:solidFill>
-              <a:schemeClr val="tx1"/>
-            </a:solidFill>
-            <a:tailEnd type="triangle"/>
-          </a:ln>
-        </p:spPr>
-        <p:style>
-          <a:lnRef idx="1">
-            <a:schemeClr val="accent1"/>
-          </a:lnRef>
-          <a:fillRef idx="0">
-            <a:schemeClr val="accent1"/>
-          </a:fillRef>
-          <a:effectRef idx="0">
-            <a:schemeClr val="accent1"/>
-          </a:effectRef>
-          <a:fontRef idx="minor">
-            <a:schemeClr val="tx1"/>
-          </a:fontRef>
-        </p:style>
-      </p:cxnSp>
+        </p:spPr>
+      </p:pic>
+      <p:pic>
+        <p:nvPicPr>
+          <p:cNvPr id="7" name="Picture 6"/>
+          <p:cNvPicPr>
+            <a:picLocks noChangeAspect="1"/>
+          </p:cNvPicPr>
+          <p:nvPr/>
+        </p:nvPicPr>
+        <p:blipFill>
+          <a:blip r:embed="rId4">
+            <a:extLst>
+              <a:ext uri="{28A0092B-C50C-407E-A947-70E740481C1C}">
+                <a14:useLocalDpi xmlns:a14="http://schemas.microsoft.com/office/drawing/2010/main" val="0"/>
+              </a:ext>
+            </a:extLst>
+          </a:blip>
+          <a:stretch>
+            <a:fillRect/>
+          </a:stretch>
+        </p:blipFill>
+        <p:spPr>
+          <a:xfrm>
+            <a:off x="0" y="0"/>
+            <a:ext cx="3746500" cy="4495800"/>
+          </a:xfrm>
+          <a:prstGeom prst="rect">
+            <a:avLst/>
+          </a:prstGeom>
+        </p:spPr>
+      </p:pic>
+      <p:pic>
+        <p:nvPicPr>
+          <p:cNvPr id="6" name="Picture 5"/>
+          <p:cNvPicPr>
+            <a:picLocks noChangeAspect="1"/>
+          </p:cNvPicPr>
+          <p:nvPr/>
+        </p:nvPicPr>
+        <p:blipFill>
+          <a:blip r:embed="rId5">
+            <a:extLst>
+              <a:ext uri="{28A0092B-C50C-407E-A947-70E740481C1C}">
+                <a14:useLocalDpi xmlns:a14="http://schemas.microsoft.com/office/drawing/2010/main" val="0"/>
+              </a:ext>
+            </a:extLst>
+          </a:blip>
+          <a:stretch>
+            <a:fillRect/>
+          </a:stretch>
+        </p:blipFill>
+        <p:spPr>
+          <a:xfrm>
+            <a:off x="25400" y="2247900"/>
+            <a:ext cx="3111500" cy="4445000"/>
+          </a:xfrm>
+          <a:prstGeom prst="rect">
+            <a:avLst/>
+          </a:prstGeom>
+        </p:spPr>
+      </p:pic>
+      <p:sp>
+        <p:nvSpPr>
+          <p:cNvPr id="8" name="TextBox 7"/>
+          <p:cNvSpPr txBox="1"/>
+          <p:nvPr/>
+        </p:nvSpPr>
+        <p:spPr>
+          <a:xfrm>
+            <a:off x="6965493" y="2356701"/>
+            <a:ext cx="3846136" cy="830997"/>
+          </a:xfrm>
+          <a:prstGeom prst="rect">
+            <a:avLst/>
+          </a:prstGeom>
+          <a:noFill/>
+        </p:spPr>
+        <p:txBody>
+          <a:bodyPr wrap="square" rtlCol="0">
+            <a:spAutoFit/>
+          </a:bodyPr>
+          <a:lstStyle/>
+          <a:p>
+            <a:r>
+              <a:rPr lang="en-US" sz="2400" dirty="0"/>
+              <a:t>You can mouse over them to see the tool tip.</a:t>
+            </a:r>
+          </a:p>
+        </p:txBody>
+      </p:sp>
     </p:spTree>
     <p:extLst>
       <p:ext uri="{BB962C8B-B14F-4D97-AF65-F5344CB8AC3E}">
-        <p14:creationId xmlns:p14="http://schemas.microsoft.com/office/powerpoint/2010/main" val="2298544511"/>
+        <p14:creationId xmlns:p14="http://schemas.microsoft.com/office/powerpoint/2010/main" val="4245174116"/>
       </p:ext>
     </p:extLst>
   </p:cSld>
